--- a/RAP.pptx
+++ b/RAP.pptx
@@ -7,6 +7,8 @@
   <p:sldIdLst>
     <p:sldId id="256" r:id="rId2"/>
     <p:sldId id="257" r:id="rId3"/>
+    <p:sldId id="259" r:id="rId4"/>
+    <p:sldId id="258" r:id="rId5"/>
   </p:sldIdLst>
   <p:sldSz cx="12192000" cy="6858000"/>
   <p:notesSz cx="6858000" cy="9144000"/>
@@ -1618,10 +1620,24 @@
         </dgm:presLayoutVars>
       </dgm:prSet>
       <dgm:spPr/>
+      <dgm:t>
+        <a:bodyPr/>
+        <a:lstStyle/>
+        <a:p>
+          <a:endParaRPr lang="en-US"/>
+        </a:p>
+      </dgm:t>
     </dgm:pt>
     <dgm:pt modelId="{F29952B3-DFDD-4C84-B096-17DC7F0089B8}" type="pres">
       <dgm:prSet presAssocID="{92E2DF81-6164-4DEB-BB23-F429B1C33CD0}" presName="parSh" presStyleLbl="node1" presStyleIdx="0" presStyleCnt="3"/>
       <dgm:spPr/>
+      <dgm:t>
+        <a:bodyPr/>
+        <a:lstStyle/>
+        <a:p>
+          <a:endParaRPr lang="en-US"/>
+        </a:p>
+      </dgm:t>
     </dgm:pt>
     <dgm:pt modelId="{BA518C2E-F11E-45D3-B170-A2FD3E6ABCFC}" type="pres">
       <dgm:prSet presAssocID="{92E2DF81-6164-4DEB-BB23-F429B1C33CD0}" presName="desTx" presStyleLbl="fgAcc1" presStyleIdx="0" presStyleCnt="3">
@@ -1630,14 +1646,35 @@
         </dgm:presLayoutVars>
       </dgm:prSet>
       <dgm:spPr/>
+      <dgm:t>
+        <a:bodyPr/>
+        <a:lstStyle/>
+        <a:p>
+          <a:endParaRPr lang="en-US"/>
+        </a:p>
+      </dgm:t>
     </dgm:pt>
     <dgm:pt modelId="{7E95C825-CE16-43FE-82D6-BB07E256EAC0}" type="pres">
       <dgm:prSet presAssocID="{07EE71B4-39CC-434D-AF76-62FF5C06C481}" presName="sibTrans" presStyleLbl="sibTrans2D1" presStyleIdx="0" presStyleCnt="2"/>
       <dgm:spPr/>
+      <dgm:t>
+        <a:bodyPr/>
+        <a:lstStyle/>
+        <a:p>
+          <a:endParaRPr lang="en-US"/>
+        </a:p>
+      </dgm:t>
     </dgm:pt>
     <dgm:pt modelId="{D50E7BA3-32FF-4600-A156-1C0ED696CFA1}" type="pres">
       <dgm:prSet presAssocID="{07EE71B4-39CC-434D-AF76-62FF5C06C481}" presName="connTx" presStyleLbl="sibTrans2D1" presStyleIdx="0" presStyleCnt="2"/>
       <dgm:spPr/>
+      <dgm:t>
+        <a:bodyPr/>
+        <a:lstStyle/>
+        <a:p>
+          <a:endParaRPr lang="en-US"/>
+        </a:p>
+      </dgm:t>
     </dgm:pt>
     <dgm:pt modelId="{18806517-DA6A-42B7-959E-F632BE06D952}" type="pres">
       <dgm:prSet presAssocID="{57B3E781-7AEB-4750-9B75-609633791DE8}" presName="composite" presStyleCnt="0"/>
@@ -1652,10 +1689,24 @@
         </dgm:presLayoutVars>
       </dgm:prSet>
       <dgm:spPr/>
+      <dgm:t>
+        <a:bodyPr/>
+        <a:lstStyle/>
+        <a:p>
+          <a:endParaRPr lang="en-US"/>
+        </a:p>
+      </dgm:t>
     </dgm:pt>
     <dgm:pt modelId="{93F04AD2-F0E4-4DCC-9EBD-8719567A385D}" type="pres">
       <dgm:prSet presAssocID="{57B3E781-7AEB-4750-9B75-609633791DE8}" presName="parSh" presStyleLbl="node1" presStyleIdx="1" presStyleCnt="3"/>
       <dgm:spPr/>
+      <dgm:t>
+        <a:bodyPr/>
+        <a:lstStyle/>
+        <a:p>
+          <a:endParaRPr lang="en-US"/>
+        </a:p>
+      </dgm:t>
     </dgm:pt>
     <dgm:pt modelId="{8DC4C873-1C79-45B7-84CF-7958FA2EF331}" type="pres">
       <dgm:prSet presAssocID="{57B3E781-7AEB-4750-9B75-609633791DE8}" presName="desTx" presStyleLbl="fgAcc1" presStyleIdx="1" presStyleCnt="3">
@@ -1664,14 +1715,35 @@
         </dgm:presLayoutVars>
       </dgm:prSet>
       <dgm:spPr/>
+      <dgm:t>
+        <a:bodyPr/>
+        <a:lstStyle/>
+        <a:p>
+          <a:endParaRPr lang="en-US"/>
+        </a:p>
+      </dgm:t>
     </dgm:pt>
     <dgm:pt modelId="{34470E82-BA40-40B3-80B7-FA4665A03635}" type="pres">
       <dgm:prSet presAssocID="{CA3B8BD6-257C-4575-9A6D-FD244A60C298}" presName="sibTrans" presStyleLbl="sibTrans2D1" presStyleIdx="1" presStyleCnt="2"/>
       <dgm:spPr/>
+      <dgm:t>
+        <a:bodyPr/>
+        <a:lstStyle/>
+        <a:p>
+          <a:endParaRPr lang="en-US"/>
+        </a:p>
+      </dgm:t>
     </dgm:pt>
     <dgm:pt modelId="{3E6C0899-CD3C-4261-86DC-6298C61613B8}" type="pres">
       <dgm:prSet presAssocID="{CA3B8BD6-257C-4575-9A6D-FD244A60C298}" presName="connTx" presStyleLbl="sibTrans2D1" presStyleIdx="1" presStyleCnt="2"/>
       <dgm:spPr/>
+      <dgm:t>
+        <a:bodyPr/>
+        <a:lstStyle/>
+        <a:p>
+          <a:endParaRPr lang="en-US"/>
+        </a:p>
+      </dgm:t>
     </dgm:pt>
     <dgm:pt modelId="{B3DE18F4-5293-4B0A-8711-74FCC873ECA9}" type="pres">
       <dgm:prSet presAssocID="{52C5DDE1-7229-4626-97F7-C1F010D163D4}" presName="composite" presStyleCnt="0"/>
@@ -1686,10 +1758,24 @@
         </dgm:presLayoutVars>
       </dgm:prSet>
       <dgm:spPr/>
+      <dgm:t>
+        <a:bodyPr/>
+        <a:lstStyle/>
+        <a:p>
+          <a:endParaRPr lang="en-US"/>
+        </a:p>
+      </dgm:t>
     </dgm:pt>
     <dgm:pt modelId="{D7B374FF-CE6E-4546-AAF0-388D0FAD225F}" type="pres">
       <dgm:prSet presAssocID="{52C5DDE1-7229-4626-97F7-C1F010D163D4}" presName="parSh" presStyleLbl="node1" presStyleIdx="2" presStyleCnt="3"/>
       <dgm:spPr/>
+      <dgm:t>
+        <a:bodyPr/>
+        <a:lstStyle/>
+        <a:p>
+          <a:endParaRPr lang="en-US"/>
+        </a:p>
+      </dgm:t>
     </dgm:pt>
     <dgm:pt modelId="{7F238A4F-AA76-417B-9B35-04FB7E1CAE32}" type="pres">
       <dgm:prSet presAssocID="{52C5DDE1-7229-4626-97F7-C1F010D163D4}" presName="desTx" presStyleLbl="fgAcc1" presStyleIdx="2" presStyleCnt="3">
@@ -1698,55 +1784,62 @@
         </dgm:presLayoutVars>
       </dgm:prSet>
       <dgm:spPr/>
+      <dgm:t>
+        <a:bodyPr/>
+        <a:lstStyle/>
+        <a:p>
+          <a:endParaRPr lang="en-US"/>
+        </a:p>
+      </dgm:t>
     </dgm:pt>
   </dgm:ptLst>
   <dgm:cxnLst>
-    <dgm:cxn modelId="{01BBA207-4F6C-4257-B22A-6313E8006DEA}" srcId="{92E2DF81-6164-4DEB-BB23-F429B1C33CD0}" destId="{66685304-899B-4AAA-8F47-270E00B46EDC}" srcOrd="2" destOrd="0" parTransId="{BC0BE5B5-4175-4025-97EE-DB0EE0AAE294}" sibTransId="{AAE06BF5-848C-4B7D-A785-9FF7EF675FE0}"/>
-    <dgm:cxn modelId="{BF2CEC0E-7F06-4E9A-A686-C144277BB37C}" type="presOf" srcId="{07EE71B4-39CC-434D-AF76-62FF5C06C481}" destId="{D50E7BA3-32FF-4600-A156-1C0ED696CFA1}" srcOrd="1" destOrd="0" presId="urn:microsoft.com/office/officeart/2005/8/layout/process3"/>
-    <dgm:cxn modelId="{8CA9D510-3BD5-4D17-83BF-D3BBF2713A7D}" srcId="{52C5DDE1-7229-4626-97F7-C1F010D163D4}" destId="{7BCC147A-7277-4EB0-A40A-0B2BEF5316D9}" srcOrd="4" destOrd="0" parTransId="{7F43B371-29F3-47CB-A958-5DA0CDF3AE85}" sibTransId="{D676B025-B581-4ABE-8910-CFCE26559DE6}"/>
+    <dgm:cxn modelId="{12AFE4EA-772E-49B3-A606-D34F6C3D1157}" type="presOf" srcId="{B3136AD3-74CF-4C09-8C5E-B8A66CE05948}" destId="{7F238A4F-AA76-417B-9B35-04FB7E1CAE32}" srcOrd="0" destOrd="5" presId="urn:microsoft.com/office/officeart/2005/8/layout/process3"/>
+    <dgm:cxn modelId="{4A003EFD-651D-495D-9A79-C6E91174BC13}" type="presOf" srcId="{92E2DF81-6164-4DEB-BB23-F429B1C33CD0}" destId="{48EB9906-E4C1-4C9D-95C9-375E98F63CF8}" srcOrd="0" destOrd="0" presId="urn:microsoft.com/office/officeart/2005/8/layout/process3"/>
+    <dgm:cxn modelId="{03223D9B-B8B1-4C6B-96AE-FB77DD94ADDB}" type="presOf" srcId="{4B5B1C0E-FD10-400A-B1B2-1C8382B0E1EF}" destId="{7F238A4F-AA76-417B-9B35-04FB7E1CAE32}" srcOrd="0" destOrd="1" presId="urn:microsoft.com/office/officeart/2005/8/layout/process3"/>
+    <dgm:cxn modelId="{131053DA-5D92-4BF2-BC8D-E6600CE5C5AC}" srcId="{92E2DF81-6164-4DEB-BB23-F429B1C33CD0}" destId="{F7E560C8-E5AF-4AC1-8C22-D3AD1CB14B24}" srcOrd="1" destOrd="0" parTransId="{261CF457-705F-4C2D-8C5A-CF524FCF916C}" sibTransId="{C3B114DF-B3C7-42CA-A6BA-B87C1423CF2C}"/>
+    <dgm:cxn modelId="{9B10C027-D7FD-4F48-8989-05AF06FE5B6B}" type="presOf" srcId="{CA3B8BD6-257C-4575-9A6D-FD244A60C298}" destId="{3E6C0899-CD3C-4261-86DC-6298C61613B8}" srcOrd="1" destOrd="0" presId="urn:microsoft.com/office/officeart/2005/8/layout/process3"/>
     <dgm:cxn modelId="{71C02711-F953-4544-A8D2-7623145F2BAF}" type="presOf" srcId="{57B3E781-7AEB-4750-9B75-609633791DE8}" destId="{93F04AD2-F0E4-4DCC-9EBD-8719567A385D}" srcOrd="1" destOrd="0" presId="urn:microsoft.com/office/officeart/2005/8/layout/process3"/>
     <dgm:cxn modelId="{48332020-1AB0-4574-AD31-EB9130D18963}" srcId="{417ABAD2-04F4-4F0E-B08E-2398E6DEDB7B}" destId="{3863D7EE-870B-4C6C-AB8C-E42460CABA01}" srcOrd="1" destOrd="0" parTransId="{94527DC4-EF4A-44AA-B983-3DBA8FE120A1}" sibTransId="{3EFBC4D3-ED67-497B-8F43-2E793DA865A6}"/>
-    <dgm:cxn modelId="{9B10C027-D7FD-4F48-8989-05AF06FE5B6B}" type="presOf" srcId="{CA3B8BD6-257C-4575-9A6D-FD244A60C298}" destId="{3E6C0899-CD3C-4261-86DC-6298C61613B8}" srcOrd="1" destOrd="0" presId="urn:microsoft.com/office/officeart/2005/8/layout/process3"/>
-    <dgm:cxn modelId="{62657528-396B-4386-B236-FCCA38C5B8CC}" type="presOf" srcId="{35B8780C-B992-4B26-9F7D-6DC293A474C2}" destId="{8DC4C873-1C79-45B7-84CF-7958FA2EF331}" srcOrd="0" destOrd="6" presId="urn:microsoft.com/office/officeart/2005/8/layout/process3"/>
-    <dgm:cxn modelId="{86071C34-3E8D-48C3-BBED-D18F0A18B0EC}" srcId="{CA91649A-DEAA-42CB-ACE7-A3CFBE505B2F}" destId="{57B3E781-7AEB-4750-9B75-609633791DE8}" srcOrd="1" destOrd="0" parTransId="{2E4882FA-C997-40AB-AF11-5E3B67949692}" sibTransId="{CA3B8BD6-257C-4575-9A6D-FD244A60C298}"/>
-    <dgm:cxn modelId="{7B6BB434-F931-4BE8-BB5E-24B6CCA9DB28}" srcId="{CA91649A-DEAA-42CB-ACE7-A3CFBE505B2F}" destId="{92E2DF81-6164-4DEB-BB23-F429B1C33CD0}" srcOrd="0" destOrd="0" parTransId="{DD26B011-0E7A-46DF-9153-96B286E2FC92}" sibTransId="{07EE71B4-39CC-434D-AF76-62FF5C06C481}"/>
-    <dgm:cxn modelId="{697B115C-B454-45C5-896D-A1E5B038C6BB}" type="presOf" srcId="{F7E560C8-E5AF-4AC1-8C22-D3AD1CB14B24}" destId="{BA518C2E-F11E-45D3-B170-A2FD3E6ABCFC}" srcOrd="0" destOrd="1" presId="urn:microsoft.com/office/officeart/2005/8/layout/process3"/>
-    <dgm:cxn modelId="{0AA2A05F-6E6F-4812-B5F2-4B2CA1109597}" type="presOf" srcId="{07EE71B4-39CC-434D-AF76-62FF5C06C481}" destId="{7E95C825-CE16-43FE-82D6-BB07E256EAC0}" srcOrd="0" destOrd="0" presId="urn:microsoft.com/office/officeart/2005/8/layout/process3"/>
-    <dgm:cxn modelId="{5283F05F-449D-4B78-B2B1-C212A9F16EA0}" type="presOf" srcId="{1138DE8E-42B6-4539-AFA6-A889F22F13FF}" destId="{8DC4C873-1C79-45B7-84CF-7958FA2EF331}" srcOrd="0" destOrd="4" presId="urn:microsoft.com/office/officeart/2005/8/layout/process3"/>
-    <dgm:cxn modelId="{E7D48D67-1234-488D-890A-DF0D4144DF34}" type="presOf" srcId="{57B3E781-7AEB-4750-9B75-609633791DE8}" destId="{A773D947-2392-43FD-896A-AB127B941B40}" srcOrd="0" destOrd="0" presId="urn:microsoft.com/office/officeart/2005/8/layout/process3"/>
-    <dgm:cxn modelId="{90174A6C-716E-47B1-B008-A84A84268945}" type="presOf" srcId="{52C5DDE1-7229-4626-97F7-C1F010D163D4}" destId="{D7B374FF-CE6E-4546-AAF0-388D0FAD225F}" srcOrd="1" destOrd="0" presId="urn:microsoft.com/office/officeart/2005/8/layout/process3"/>
-    <dgm:cxn modelId="{8778B04D-BAF7-480E-832B-F2D652F1AC43}" type="presOf" srcId="{0AA450AF-6CE1-45A7-9766-61E10834D7CF}" destId="{7F238A4F-AA76-417B-9B35-04FB7E1CAE32}" srcOrd="0" destOrd="3" presId="urn:microsoft.com/office/officeart/2005/8/layout/process3"/>
-    <dgm:cxn modelId="{F9888A51-DC1D-4944-81F6-0F67B7D7011C}" srcId="{52C5DDE1-7229-4626-97F7-C1F010D163D4}" destId="{F05300A5-8E89-465F-BB46-90089C67AC35}" srcOrd="2" destOrd="0" parTransId="{6DA64CE4-EDC1-46FE-8D04-DB684C0077E7}" sibTransId="{757ECA65-1C57-41F1-9D84-E954B827F453}"/>
-    <dgm:cxn modelId="{3E1D9774-5E79-40A6-AD18-370414DA202C}" type="presOf" srcId="{52C5DDE1-7229-4626-97F7-C1F010D163D4}" destId="{ECC4EF1B-F589-478D-B762-19C49E2B1ED4}" srcOrd="0" destOrd="0" presId="urn:microsoft.com/office/officeart/2005/8/layout/process3"/>
+    <dgm:cxn modelId="{D18578AC-5A95-48A5-BACB-A2E67E0B8826}" type="presOf" srcId="{3863D7EE-870B-4C6C-AB8C-E42460CABA01}" destId="{8DC4C873-1C79-45B7-84CF-7958FA2EF331}" srcOrd="0" destOrd="2" presId="urn:microsoft.com/office/officeart/2005/8/layout/process3"/>
     <dgm:cxn modelId="{C9CE775A-9A10-4A3B-91FE-F6464A1D8B97}" type="presOf" srcId="{5AF073EF-30BD-4B4A-AF12-9C78D575129B}" destId="{8DC4C873-1C79-45B7-84CF-7958FA2EF331}" srcOrd="0" destOrd="5" presId="urn:microsoft.com/office/officeart/2005/8/layout/process3"/>
-    <dgm:cxn modelId="{68D6817A-E904-4976-841C-1A9605B80B7D}" srcId="{52C5DDE1-7229-4626-97F7-C1F010D163D4}" destId="{B3136AD3-74CF-4C09-8C5E-B8A66CE05948}" srcOrd="5" destOrd="0" parTransId="{DEAE2941-95D9-41F1-A11D-B2AE9536E1C4}" sibTransId="{DAB9B22A-B7DC-454F-B978-3BD7D95C91BF}"/>
-    <dgm:cxn modelId="{70CFE07B-40F4-48F2-A06A-FCB16BE44F74}" srcId="{57B3E781-7AEB-4750-9B75-609633791DE8}" destId="{1138DE8E-42B6-4539-AFA6-A889F22F13FF}" srcOrd="1" destOrd="0" parTransId="{E35046B4-E6D8-4AA4-8102-64CEA8B3AF57}" sibTransId="{A374454A-CE97-4C45-B493-6E9626742B54}"/>
-    <dgm:cxn modelId="{B8125A7D-B33D-4B03-AD79-3F4CEFE24678}" type="presOf" srcId="{417ABAD2-04F4-4F0E-B08E-2398E6DEDB7B}" destId="{8DC4C873-1C79-45B7-84CF-7958FA2EF331}" srcOrd="0" destOrd="0" presId="urn:microsoft.com/office/officeart/2005/8/layout/process3"/>
-    <dgm:cxn modelId="{E3C2CB7F-1934-471D-8EE4-1E2669F465F5}" srcId="{52C5DDE1-7229-4626-97F7-C1F010D163D4}" destId="{0AA450AF-6CE1-45A7-9766-61E10834D7CF}" srcOrd="3" destOrd="0" parTransId="{9947EDF1-EC6D-4B7C-96ED-145D5F91DBA0}" sibTransId="{B7C101B9-8F59-4631-AEE7-B57D3B18B114}"/>
-    <dgm:cxn modelId="{01D92788-ACF8-41B9-B776-8C26E1208A8B}" srcId="{57B3E781-7AEB-4750-9B75-609633791DE8}" destId="{417ABAD2-04F4-4F0E-B08E-2398E6DEDB7B}" srcOrd="0" destOrd="0" parTransId="{33D90A8C-AC32-449E-9C99-AD591D16A9F6}" sibTransId="{A0A510A5-5DEB-4279-BCE5-75C38F10F6B7}"/>
-    <dgm:cxn modelId="{4543768F-CF2A-4032-8CFB-B56AD2B233C7}" srcId="{52C5DDE1-7229-4626-97F7-C1F010D163D4}" destId="{4B5B1C0E-FD10-400A-B1B2-1C8382B0E1EF}" srcOrd="1" destOrd="0" parTransId="{98D9BE8B-860D-46B2-9540-314085746E30}" sibTransId="{38D30D2D-BA0B-49BC-AAEC-66F7D0D251E5}"/>
-    <dgm:cxn modelId="{661DFA93-BC95-40DF-817F-87F47D78E57F}" type="presOf" srcId="{F015549A-D794-4A33-A1B5-FC5391934C3F}" destId="{7F238A4F-AA76-417B-9B35-04FB7E1CAE32}" srcOrd="0" destOrd="0" presId="urn:microsoft.com/office/officeart/2005/8/layout/process3"/>
-    <dgm:cxn modelId="{9350D894-CA58-4015-9AC0-A864F6FEB790}" type="presOf" srcId="{450EF078-9F16-46D0-875F-40EB83BFB094}" destId="{8DC4C873-1C79-45B7-84CF-7958FA2EF331}" srcOrd="0" destOrd="1" presId="urn:microsoft.com/office/officeart/2005/8/layout/process3"/>
-    <dgm:cxn modelId="{0A798096-44A1-4455-A4C5-5D9A863FECC9}" type="presOf" srcId="{92E2DF81-6164-4DEB-BB23-F429B1C33CD0}" destId="{F29952B3-DFDD-4C84-B096-17DC7F0089B8}" srcOrd="1" destOrd="0" presId="urn:microsoft.com/office/officeart/2005/8/layout/process3"/>
-    <dgm:cxn modelId="{EF2AD899-0358-4A27-A529-D45E0CC632EB}" srcId="{92E2DF81-6164-4DEB-BB23-F429B1C33CD0}" destId="{F1531692-BC8D-4DFB-9300-3276D2F724CC}" srcOrd="0" destOrd="0" parTransId="{DA0E147C-BA56-4078-B315-A123B6531989}" sibTransId="{BA989E10-3384-410D-A54C-E60552DAA3DC}"/>
-    <dgm:cxn modelId="{03223D9B-B8B1-4C6B-96AE-FB77DD94ADDB}" type="presOf" srcId="{4B5B1C0E-FD10-400A-B1B2-1C8382B0E1EF}" destId="{7F238A4F-AA76-417B-9B35-04FB7E1CAE32}" srcOrd="0" destOrd="1" presId="urn:microsoft.com/office/officeart/2005/8/layout/process3"/>
     <dgm:cxn modelId="{001D079E-6107-4608-B21E-D925D4A2F5D9}" type="presOf" srcId="{7733BAF7-1D9F-46AF-834A-C71EE17FAD77}" destId="{8DC4C873-1C79-45B7-84CF-7958FA2EF331}" srcOrd="0" destOrd="3" presId="urn:microsoft.com/office/officeart/2005/8/layout/process3"/>
     <dgm:cxn modelId="{BD15C9A1-BBBC-44AD-958C-85C64EF0D741}" type="presOf" srcId="{F1531692-BC8D-4DFB-9300-3276D2F724CC}" destId="{BA518C2E-F11E-45D3-B170-A2FD3E6ABCFC}" srcOrd="0" destOrd="0" presId="urn:microsoft.com/office/officeart/2005/8/layout/process3"/>
-    <dgm:cxn modelId="{D18578AC-5A95-48A5-BACB-A2E67E0B8826}" type="presOf" srcId="{3863D7EE-870B-4C6C-AB8C-E42460CABA01}" destId="{8DC4C873-1C79-45B7-84CF-7958FA2EF331}" srcOrd="0" destOrd="2" presId="urn:microsoft.com/office/officeart/2005/8/layout/process3"/>
+    <dgm:cxn modelId="{E7D48D67-1234-488D-890A-DF0D4144DF34}" type="presOf" srcId="{57B3E781-7AEB-4750-9B75-609633791DE8}" destId="{A773D947-2392-43FD-896A-AB127B941B40}" srcOrd="0" destOrd="0" presId="urn:microsoft.com/office/officeart/2005/8/layout/process3"/>
+    <dgm:cxn modelId="{3EBC69F2-2899-49F5-96E4-1A453A5A5C65}" srcId="{417ABAD2-04F4-4F0E-B08E-2398E6DEDB7B}" destId="{450EF078-9F16-46D0-875F-40EB83BFB094}" srcOrd="0" destOrd="0" parTransId="{CB927B1B-225E-490A-928A-FB9677D6AB69}" sibTransId="{295D7F33-97F7-4193-8575-969FBBF82B7D}"/>
+    <dgm:cxn modelId="{3E055BB9-E00D-4E9A-8397-E771EC6FCA13}" type="presOf" srcId="{CA91649A-DEAA-42CB-ACE7-A3CFBE505B2F}" destId="{F32F361C-B1B2-429F-AD6A-61FFA41EA3FB}" srcOrd="0" destOrd="0" presId="urn:microsoft.com/office/officeart/2005/8/layout/process3"/>
+    <dgm:cxn modelId="{F9888A51-DC1D-4944-81F6-0F67B7D7011C}" srcId="{52C5DDE1-7229-4626-97F7-C1F010D163D4}" destId="{F05300A5-8E89-465F-BB46-90089C67AC35}" srcOrd="2" destOrd="0" parTransId="{6DA64CE4-EDC1-46FE-8D04-DB684C0077E7}" sibTransId="{757ECA65-1C57-41F1-9D84-E954B827F453}"/>
+    <dgm:cxn modelId="{01D92788-ACF8-41B9-B776-8C26E1208A8B}" srcId="{57B3E781-7AEB-4750-9B75-609633791DE8}" destId="{417ABAD2-04F4-4F0E-B08E-2398E6DEDB7B}" srcOrd="0" destOrd="0" parTransId="{33D90A8C-AC32-449E-9C99-AD591D16A9F6}" sibTransId="{A0A510A5-5DEB-4279-BCE5-75C38F10F6B7}"/>
+    <dgm:cxn modelId="{90174A6C-716E-47B1-B008-A84A84268945}" type="presOf" srcId="{52C5DDE1-7229-4626-97F7-C1F010D163D4}" destId="{D7B374FF-CE6E-4546-AAF0-388D0FAD225F}" srcOrd="1" destOrd="0" presId="urn:microsoft.com/office/officeart/2005/8/layout/process3"/>
+    <dgm:cxn modelId="{8CA9D510-3BD5-4D17-83BF-D3BBF2713A7D}" srcId="{52C5DDE1-7229-4626-97F7-C1F010D163D4}" destId="{7BCC147A-7277-4EB0-A40A-0B2BEF5316D9}" srcOrd="4" destOrd="0" parTransId="{7F43B371-29F3-47CB-A958-5DA0CDF3AE85}" sibTransId="{D676B025-B581-4ABE-8910-CFCE26559DE6}"/>
+    <dgm:cxn modelId="{5283F05F-449D-4B78-B2B1-C212A9F16EA0}" type="presOf" srcId="{1138DE8E-42B6-4539-AFA6-A889F22F13FF}" destId="{8DC4C873-1C79-45B7-84CF-7958FA2EF331}" srcOrd="0" destOrd="4" presId="urn:microsoft.com/office/officeart/2005/8/layout/process3"/>
+    <dgm:cxn modelId="{697B115C-B454-45C5-896D-A1E5B038C6BB}" type="presOf" srcId="{F7E560C8-E5AF-4AC1-8C22-D3AD1CB14B24}" destId="{BA518C2E-F11E-45D3-B170-A2FD3E6ABCFC}" srcOrd="0" destOrd="1" presId="urn:microsoft.com/office/officeart/2005/8/layout/process3"/>
+    <dgm:cxn modelId="{E3C2CB7F-1934-471D-8EE4-1E2669F465F5}" srcId="{52C5DDE1-7229-4626-97F7-C1F010D163D4}" destId="{0AA450AF-6CE1-45A7-9766-61E10834D7CF}" srcOrd="3" destOrd="0" parTransId="{9947EDF1-EC6D-4B7C-96ED-145D5F91DBA0}" sibTransId="{B7C101B9-8F59-4631-AEE7-B57D3B18B114}"/>
+    <dgm:cxn modelId="{9350D894-CA58-4015-9AC0-A864F6FEB790}" type="presOf" srcId="{450EF078-9F16-46D0-875F-40EB83BFB094}" destId="{8DC4C873-1C79-45B7-84CF-7958FA2EF331}" srcOrd="0" destOrd="1" presId="urn:microsoft.com/office/officeart/2005/8/layout/process3"/>
+    <dgm:cxn modelId="{0AA2A05F-6E6F-4812-B5F2-4B2CA1109597}" type="presOf" srcId="{07EE71B4-39CC-434D-AF76-62FF5C06C481}" destId="{7E95C825-CE16-43FE-82D6-BB07E256EAC0}" srcOrd="0" destOrd="0" presId="urn:microsoft.com/office/officeart/2005/8/layout/process3"/>
+    <dgm:cxn modelId="{661DFA93-BC95-40DF-817F-87F47D78E57F}" type="presOf" srcId="{F015549A-D794-4A33-A1B5-FC5391934C3F}" destId="{7F238A4F-AA76-417B-9B35-04FB7E1CAE32}" srcOrd="0" destOrd="0" presId="urn:microsoft.com/office/officeart/2005/8/layout/process3"/>
+    <dgm:cxn modelId="{68D6817A-E904-4976-841C-1A9605B80B7D}" srcId="{52C5DDE1-7229-4626-97F7-C1F010D163D4}" destId="{B3136AD3-74CF-4C09-8C5E-B8A66CE05948}" srcOrd="5" destOrd="0" parTransId="{DEAE2941-95D9-41F1-A11D-B2AE9536E1C4}" sibTransId="{DAB9B22A-B7DC-454F-B978-3BD7D95C91BF}"/>
+    <dgm:cxn modelId="{BC0ACCF8-4BED-4059-B81B-B0F49758F0DD}" srcId="{417ABAD2-04F4-4F0E-B08E-2398E6DEDB7B}" destId="{7733BAF7-1D9F-46AF-834A-C71EE17FAD77}" srcOrd="2" destOrd="0" parTransId="{E5DB2F15-E0CD-4790-8068-9EFC0869309D}" sibTransId="{01D1C141-326D-4060-A3B2-76C21859F6D7}"/>
+    <dgm:cxn modelId="{0A798096-44A1-4455-A4C5-5D9A863FECC9}" type="presOf" srcId="{92E2DF81-6164-4DEB-BB23-F429B1C33CD0}" destId="{F29952B3-DFDD-4C84-B096-17DC7F0089B8}" srcOrd="1" destOrd="0" presId="urn:microsoft.com/office/officeart/2005/8/layout/process3"/>
     <dgm:cxn modelId="{0C3173B6-8B0D-4B26-8B25-7A09F5E180D3}" srcId="{1138DE8E-42B6-4539-AFA6-A889F22F13FF}" destId="{5AF073EF-30BD-4B4A-AF12-9C78D575129B}" srcOrd="0" destOrd="0" parTransId="{C8AD072E-EB93-4CB5-8AB6-8AACE82DAF83}" sibTransId="{3FB9229F-10E7-4609-BC0B-D7A4DF45811C}"/>
-    <dgm:cxn modelId="{3E055BB9-E00D-4E9A-8397-E771EC6FCA13}" type="presOf" srcId="{CA91649A-DEAA-42CB-ACE7-A3CFBE505B2F}" destId="{F32F361C-B1B2-429F-AD6A-61FFA41EA3FB}" srcOrd="0" destOrd="0" presId="urn:microsoft.com/office/officeart/2005/8/layout/process3"/>
+    <dgm:cxn modelId="{4543768F-CF2A-4032-8CFB-B56AD2B233C7}" srcId="{52C5DDE1-7229-4626-97F7-C1F010D163D4}" destId="{4B5B1C0E-FD10-400A-B1B2-1C8382B0E1EF}" srcOrd="1" destOrd="0" parTransId="{98D9BE8B-860D-46B2-9540-314085746E30}" sibTransId="{38D30D2D-BA0B-49BC-AAEC-66F7D0D251E5}"/>
     <dgm:cxn modelId="{3A52C4D2-53DF-41C3-8A7D-011D9DE04AD3}" srcId="{52C5DDE1-7229-4626-97F7-C1F010D163D4}" destId="{F015549A-D794-4A33-A1B5-FC5391934C3F}" srcOrd="0" destOrd="0" parTransId="{BD00227A-3FBC-42D4-B290-617E4EBEDDB1}" sibTransId="{9A5A4A56-4D2B-4490-B501-4834C47CBA4D}"/>
-    <dgm:cxn modelId="{131053DA-5D92-4BF2-BC8D-E6600CE5C5AC}" srcId="{92E2DF81-6164-4DEB-BB23-F429B1C33CD0}" destId="{F7E560C8-E5AF-4AC1-8C22-D3AD1CB14B24}" srcOrd="1" destOrd="0" parTransId="{261CF457-705F-4C2D-8C5A-CF524FCF916C}" sibTransId="{C3B114DF-B3C7-42CA-A6BA-B87C1423CF2C}"/>
+    <dgm:cxn modelId="{8778B04D-BAF7-480E-832B-F2D652F1AC43}" type="presOf" srcId="{0AA450AF-6CE1-45A7-9766-61E10834D7CF}" destId="{7F238A4F-AA76-417B-9B35-04FB7E1CAE32}" srcOrd="0" destOrd="3" presId="urn:microsoft.com/office/officeart/2005/8/layout/process3"/>
+    <dgm:cxn modelId="{701820FD-1696-4953-B69E-6C825F67B5D3}" srcId="{CA91649A-DEAA-42CB-ACE7-A3CFBE505B2F}" destId="{52C5DDE1-7229-4626-97F7-C1F010D163D4}" srcOrd="2" destOrd="0" parTransId="{0AD04C3A-6635-42A7-9029-DC3A5C376E88}" sibTransId="{6F0D8438-3B06-4E2A-A911-8B6D09DF2C7D}"/>
+    <dgm:cxn modelId="{62657528-396B-4386-B236-FCCA38C5B8CC}" type="presOf" srcId="{35B8780C-B992-4B26-9F7D-6DC293A474C2}" destId="{8DC4C873-1C79-45B7-84CF-7958FA2EF331}" srcOrd="0" destOrd="6" presId="urn:microsoft.com/office/officeart/2005/8/layout/process3"/>
+    <dgm:cxn modelId="{BF2CEC0E-7F06-4E9A-A686-C144277BB37C}" type="presOf" srcId="{07EE71B4-39CC-434D-AF76-62FF5C06C481}" destId="{D50E7BA3-32FF-4600-A156-1C0ED696CFA1}" srcOrd="1" destOrd="0" presId="urn:microsoft.com/office/officeart/2005/8/layout/process3"/>
+    <dgm:cxn modelId="{7B6BB434-F931-4BE8-BB5E-24B6CCA9DB28}" srcId="{CA91649A-DEAA-42CB-ACE7-A3CFBE505B2F}" destId="{92E2DF81-6164-4DEB-BB23-F429B1C33CD0}" srcOrd="0" destOrd="0" parTransId="{DD26B011-0E7A-46DF-9153-96B286E2FC92}" sibTransId="{07EE71B4-39CC-434D-AF76-62FF5C06C481}"/>
+    <dgm:cxn modelId="{70CFE07B-40F4-48F2-A06A-FCB16BE44F74}" srcId="{57B3E781-7AEB-4750-9B75-609633791DE8}" destId="{1138DE8E-42B6-4539-AFA6-A889F22F13FF}" srcOrd="1" destOrd="0" parTransId="{E35046B4-E6D8-4AA4-8102-64CEA8B3AF57}" sibTransId="{A374454A-CE97-4C45-B493-6E9626742B54}"/>
+    <dgm:cxn modelId="{CF8C27F6-920B-4352-AD07-67A587BEEFDA}" srcId="{1138DE8E-42B6-4539-AFA6-A889F22F13FF}" destId="{35B8780C-B992-4B26-9F7D-6DC293A474C2}" srcOrd="1" destOrd="0" parTransId="{D6E26B7C-A099-4802-BD42-A5FBC2994965}" sibTransId="{27ED2C53-6B32-4B16-82E6-858CEABBDDA5}"/>
+    <dgm:cxn modelId="{637F08F0-FEB5-437B-9388-AAFB39EE633C}" type="presOf" srcId="{66685304-899B-4AAA-8F47-270E00B46EDC}" destId="{BA518C2E-F11E-45D3-B170-A2FD3E6ABCFC}" srcOrd="0" destOrd="2" presId="urn:microsoft.com/office/officeart/2005/8/layout/process3"/>
+    <dgm:cxn modelId="{B8125A7D-B33D-4B03-AD79-3F4CEFE24678}" type="presOf" srcId="{417ABAD2-04F4-4F0E-B08E-2398E6DEDB7B}" destId="{8DC4C873-1C79-45B7-84CF-7958FA2EF331}" srcOrd="0" destOrd="0" presId="urn:microsoft.com/office/officeart/2005/8/layout/process3"/>
+    <dgm:cxn modelId="{EF2AD899-0358-4A27-A529-D45E0CC632EB}" srcId="{92E2DF81-6164-4DEB-BB23-F429B1C33CD0}" destId="{F1531692-BC8D-4DFB-9300-3276D2F724CC}" srcOrd="0" destOrd="0" parTransId="{DA0E147C-BA56-4078-B315-A123B6531989}" sibTransId="{BA989E10-3384-410D-A54C-E60552DAA3DC}"/>
+    <dgm:cxn modelId="{01BBA207-4F6C-4257-B22A-6313E8006DEA}" srcId="{92E2DF81-6164-4DEB-BB23-F429B1C33CD0}" destId="{66685304-899B-4AAA-8F47-270E00B46EDC}" srcOrd="2" destOrd="0" parTransId="{BC0BE5B5-4175-4025-97EE-DB0EE0AAE294}" sibTransId="{AAE06BF5-848C-4B7D-A785-9FF7EF675FE0}"/>
+    <dgm:cxn modelId="{3E1D9774-5E79-40A6-AD18-370414DA202C}" type="presOf" srcId="{52C5DDE1-7229-4626-97F7-C1F010D163D4}" destId="{ECC4EF1B-F589-478D-B762-19C49E2B1ED4}" srcOrd="0" destOrd="0" presId="urn:microsoft.com/office/officeart/2005/8/layout/process3"/>
     <dgm:cxn modelId="{87E6ECDC-4340-4F7F-A8C9-E24844E64C0E}" type="presOf" srcId="{7BCC147A-7277-4EB0-A40A-0B2BEF5316D9}" destId="{7F238A4F-AA76-417B-9B35-04FB7E1CAE32}" srcOrd="0" destOrd="4" presId="urn:microsoft.com/office/officeart/2005/8/layout/process3"/>
+    <dgm:cxn modelId="{A418C8FE-2618-4388-AB0E-148D0D1B4E51}" type="presOf" srcId="{F05300A5-8E89-465F-BB46-90089C67AC35}" destId="{7F238A4F-AA76-417B-9B35-04FB7E1CAE32}" srcOrd="0" destOrd="2" presId="urn:microsoft.com/office/officeart/2005/8/layout/process3"/>
+    <dgm:cxn modelId="{86071C34-3E8D-48C3-BBED-D18F0A18B0EC}" srcId="{CA91649A-DEAA-42CB-ACE7-A3CFBE505B2F}" destId="{57B3E781-7AEB-4750-9B75-609633791DE8}" srcOrd="1" destOrd="0" parTransId="{2E4882FA-C997-40AB-AF11-5E3B67949692}" sibTransId="{CA3B8BD6-257C-4575-9A6D-FD244A60C298}"/>
     <dgm:cxn modelId="{7C2530E8-26B0-4329-8630-7D4838632BC4}" type="presOf" srcId="{CA3B8BD6-257C-4575-9A6D-FD244A60C298}" destId="{34470E82-BA40-40B3-80B7-FA4665A03635}" srcOrd="0" destOrd="0" presId="urn:microsoft.com/office/officeart/2005/8/layout/process3"/>
-    <dgm:cxn modelId="{12AFE4EA-772E-49B3-A606-D34F6C3D1157}" type="presOf" srcId="{B3136AD3-74CF-4C09-8C5E-B8A66CE05948}" destId="{7F238A4F-AA76-417B-9B35-04FB7E1CAE32}" srcOrd="0" destOrd="5" presId="urn:microsoft.com/office/officeart/2005/8/layout/process3"/>
-    <dgm:cxn modelId="{637F08F0-FEB5-437B-9388-AAFB39EE633C}" type="presOf" srcId="{66685304-899B-4AAA-8F47-270E00B46EDC}" destId="{BA518C2E-F11E-45D3-B170-A2FD3E6ABCFC}" srcOrd="0" destOrd="2" presId="urn:microsoft.com/office/officeart/2005/8/layout/process3"/>
-    <dgm:cxn modelId="{3EBC69F2-2899-49F5-96E4-1A453A5A5C65}" srcId="{417ABAD2-04F4-4F0E-B08E-2398E6DEDB7B}" destId="{450EF078-9F16-46D0-875F-40EB83BFB094}" srcOrd="0" destOrd="0" parTransId="{CB927B1B-225E-490A-928A-FB9677D6AB69}" sibTransId="{295D7F33-97F7-4193-8575-969FBBF82B7D}"/>
-    <dgm:cxn modelId="{CF8C27F6-920B-4352-AD07-67A587BEEFDA}" srcId="{1138DE8E-42B6-4539-AFA6-A889F22F13FF}" destId="{35B8780C-B992-4B26-9F7D-6DC293A474C2}" srcOrd="1" destOrd="0" parTransId="{D6E26B7C-A099-4802-BD42-A5FBC2994965}" sibTransId="{27ED2C53-6B32-4B16-82E6-858CEABBDDA5}"/>
-    <dgm:cxn modelId="{BC0ACCF8-4BED-4059-B81B-B0F49758F0DD}" srcId="{417ABAD2-04F4-4F0E-B08E-2398E6DEDB7B}" destId="{7733BAF7-1D9F-46AF-834A-C71EE17FAD77}" srcOrd="2" destOrd="0" parTransId="{E5DB2F15-E0CD-4790-8068-9EFC0869309D}" sibTransId="{01D1C141-326D-4060-A3B2-76C21859F6D7}"/>
-    <dgm:cxn modelId="{701820FD-1696-4953-B69E-6C825F67B5D3}" srcId="{CA91649A-DEAA-42CB-ACE7-A3CFBE505B2F}" destId="{52C5DDE1-7229-4626-97F7-C1F010D163D4}" srcOrd="2" destOrd="0" parTransId="{0AD04C3A-6635-42A7-9029-DC3A5C376E88}" sibTransId="{6F0D8438-3B06-4E2A-A911-8B6D09DF2C7D}"/>
-    <dgm:cxn modelId="{4A003EFD-651D-495D-9A79-C6E91174BC13}" type="presOf" srcId="{92E2DF81-6164-4DEB-BB23-F429B1C33CD0}" destId="{48EB9906-E4C1-4C9D-95C9-375E98F63CF8}" srcOrd="0" destOrd="0" presId="urn:microsoft.com/office/officeart/2005/8/layout/process3"/>
-    <dgm:cxn modelId="{A418C8FE-2618-4388-AB0E-148D0D1B4E51}" type="presOf" srcId="{F05300A5-8E89-465F-BB46-90089C67AC35}" destId="{7F238A4F-AA76-417B-9B35-04FB7E1CAE32}" srcOrd="0" destOrd="2" presId="urn:microsoft.com/office/officeart/2005/8/layout/process3"/>
     <dgm:cxn modelId="{F64DFD20-2E98-4BC1-A725-FEB225FC5DB8}" type="presParOf" srcId="{F32F361C-B1B2-429F-AD6A-61FFA41EA3FB}" destId="{A5F93830-476B-46C2-861E-3109B67BFDF4}" srcOrd="0" destOrd="0" presId="urn:microsoft.com/office/officeart/2005/8/layout/process3"/>
     <dgm:cxn modelId="{8612D839-18DD-44BD-A935-C8068B0747AA}" type="presParOf" srcId="{A5F93830-476B-46C2-861E-3109B67BFDF4}" destId="{48EB9906-E4C1-4C9D-95C9-375E98F63CF8}" srcOrd="0" destOrd="0" presId="urn:microsoft.com/office/officeart/2005/8/layout/process3"/>
     <dgm:cxn modelId="{2BE5F185-E6C6-470B-BBA4-91B7D54431E4}" type="presParOf" srcId="{A5F93830-476B-46C2-861E-3109B67BFDF4}" destId="{F29952B3-DFDD-4C84-B096-17DC7F0089B8}" srcOrd="1" destOrd="0" presId="urn:microsoft.com/office/officeart/2005/8/layout/process3"/>
@@ -1840,7 +1933,7 @@
         </a:bodyPr>
         <a:lstStyle/>
         <a:p>
-          <a:pPr marL="0" lvl="0" indent="0" algn="l" defTabSz="711200">
+          <a:pPr lvl="0" algn="l" defTabSz="711200">
             <a:lnSpc>
               <a:spcPct val="90000"/>
             </a:lnSpc>
@@ -1850,7 +1943,6 @@
             <a:spcAft>
               <a:spcPct val="35000"/>
             </a:spcAft>
-            <a:buNone/>
           </a:pPr>
           <a:r>
             <a:rPr lang="en-GB" sz="1600" kern="1200" dirty="0"/>
@@ -1930,7 +2022,7 @@
             <a:spcAft>
               <a:spcPct val="15000"/>
             </a:spcAft>
-            <a:buChar char="•"/>
+            <a:buChar char="••"/>
           </a:pPr>
           <a:r>
             <a:rPr lang="en-GB" sz="1600" kern="1200" dirty="0"/>
@@ -1948,7 +2040,7 @@
             <a:spcAft>
               <a:spcPct val="15000"/>
             </a:spcAft>
-            <a:buChar char="•"/>
+            <a:buChar char="••"/>
           </a:pPr>
           <a:r>
             <a:rPr lang="en-GB" sz="1600" kern="1200" dirty="0"/>
@@ -1966,7 +2058,7 @@
             <a:spcAft>
               <a:spcPct val="15000"/>
             </a:spcAft>
-            <a:buChar char="•"/>
+            <a:buChar char="••"/>
           </a:pPr>
           <a:r>
             <a:rPr lang="en-GB" sz="1600" kern="1200" dirty="0"/>
@@ -2029,7 +2121,7 @@
         </a:bodyPr>
         <a:lstStyle/>
         <a:p>
-          <a:pPr marL="0" lvl="0" indent="0" algn="ctr" defTabSz="577850">
+          <a:pPr lvl="0" algn="ctr" defTabSz="577850">
             <a:lnSpc>
               <a:spcPct val="90000"/>
             </a:lnSpc>
@@ -2039,7 +2131,6 @@
             <a:spcAft>
               <a:spcPct val="35000"/>
             </a:spcAft>
-            <a:buNone/>
           </a:pPr>
           <a:endParaRPr lang="en-GB" sz="1300" kern="1200"/>
         </a:p>
@@ -2107,7 +2198,7 @@
         </a:bodyPr>
         <a:lstStyle/>
         <a:p>
-          <a:pPr marL="0" lvl="0" indent="0" algn="l" defTabSz="711200">
+          <a:pPr lvl="0" algn="l" defTabSz="711200">
             <a:lnSpc>
               <a:spcPct val="90000"/>
             </a:lnSpc>
@@ -2117,7 +2208,6 @@
             <a:spcAft>
               <a:spcPct val="35000"/>
             </a:spcAft>
-            <a:buNone/>
           </a:pPr>
           <a:r>
             <a:rPr lang="en-GB" sz="1600" kern="1200" dirty="0"/>
@@ -2197,7 +2287,7 @@
             <a:spcAft>
               <a:spcPct val="15000"/>
             </a:spcAft>
-            <a:buChar char="•"/>
+            <a:buChar char="••"/>
           </a:pPr>
           <a:r>
             <a:rPr lang="en-GB" sz="1600" kern="1200" dirty="0"/>
@@ -2215,7 +2305,7 @@
             <a:spcAft>
               <a:spcPct val="15000"/>
             </a:spcAft>
-            <a:buChar char="•"/>
+            <a:buChar char="••"/>
           </a:pPr>
           <a:r>
             <a:rPr lang="en-GB" sz="1600" kern="1200" dirty="0"/>
@@ -2233,7 +2323,7 @@
             <a:spcAft>
               <a:spcPct val="15000"/>
             </a:spcAft>
-            <a:buChar char="•"/>
+            <a:buChar char="••"/>
           </a:pPr>
           <a:r>
             <a:rPr lang="en-GB" sz="1600" kern="1200" dirty="0"/>
@@ -2251,7 +2341,7 @@
             <a:spcAft>
               <a:spcPct val="15000"/>
             </a:spcAft>
-            <a:buChar char="•"/>
+            <a:buChar char="••"/>
           </a:pPr>
           <a:r>
             <a:rPr lang="en-GB" sz="1600" kern="1200" dirty="0"/>
@@ -2269,7 +2359,7 @@
             <a:spcAft>
               <a:spcPct val="15000"/>
             </a:spcAft>
-            <a:buChar char="•"/>
+            <a:buChar char="••"/>
           </a:pPr>
           <a:r>
             <a:rPr lang="en-GB" sz="1600" kern="1200" dirty="0"/>
@@ -2295,7 +2385,7 @@
             <a:spcAft>
               <a:spcPct val="15000"/>
             </a:spcAft>
-            <a:buChar char="•"/>
+            <a:buChar char="••"/>
           </a:pPr>
           <a:r>
             <a:rPr lang="en-GB" sz="1600" kern="1200" dirty="0"/>
@@ -2313,7 +2403,7 @@
             <a:spcAft>
               <a:spcPct val="15000"/>
             </a:spcAft>
-            <a:buChar char="•"/>
+            <a:buChar char="••"/>
           </a:pPr>
           <a:r>
             <a:rPr lang="en-GB" sz="1600" kern="1200" dirty="0"/>
@@ -2376,7 +2466,7 @@
         </a:bodyPr>
         <a:lstStyle/>
         <a:p>
-          <a:pPr marL="0" lvl="0" indent="0" algn="ctr" defTabSz="577850">
+          <a:pPr lvl="0" algn="ctr" defTabSz="577850">
             <a:lnSpc>
               <a:spcPct val="90000"/>
             </a:lnSpc>
@@ -2386,7 +2476,6 @@
             <a:spcAft>
               <a:spcPct val="35000"/>
             </a:spcAft>
-            <a:buNone/>
           </a:pPr>
           <a:endParaRPr lang="en-GB" sz="1300" kern="1200"/>
         </a:p>
@@ -2454,7 +2543,7 @@
         </a:bodyPr>
         <a:lstStyle/>
         <a:p>
-          <a:pPr marL="0" lvl="0" indent="0" algn="l" defTabSz="711200">
+          <a:pPr lvl="0" algn="l" defTabSz="711200">
             <a:lnSpc>
               <a:spcPct val="90000"/>
             </a:lnSpc>
@@ -2464,7 +2553,6 @@
             <a:spcAft>
               <a:spcPct val="35000"/>
             </a:spcAft>
-            <a:buNone/>
           </a:pPr>
           <a:r>
             <a:rPr lang="en-GB" sz="1600" kern="1200" dirty="0"/>
@@ -2544,7 +2632,7 @@
             <a:spcAft>
               <a:spcPct val="15000"/>
             </a:spcAft>
-            <a:buChar char="•"/>
+            <a:buChar char="••"/>
           </a:pPr>
           <a:r>
             <a:rPr lang="en-GB" sz="1600" kern="1200" dirty="0"/>
@@ -2562,7 +2650,7 @@
             <a:spcAft>
               <a:spcPct val="15000"/>
             </a:spcAft>
-            <a:buChar char="•"/>
+            <a:buChar char="••"/>
           </a:pPr>
           <a:r>
             <a:rPr lang="en-GB" sz="1600" kern="1200" dirty="0"/>
@@ -2588,7 +2676,7 @@
             <a:spcAft>
               <a:spcPct val="15000"/>
             </a:spcAft>
-            <a:buChar char="•"/>
+            <a:buChar char="••"/>
           </a:pPr>
           <a:r>
             <a:rPr lang="en-GB" sz="1600" kern="1200" dirty="0"/>
@@ -2614,7 +2702,7 @@
             <a:spcAft>
               <a:spcPct val="15000"/>
             </a:spcAft>
-            <a:buChar char="•"/>
+            <a:buChar char="••"/>
           </a:pPr>
           <a:r>
             <a:rPr lang="en-GB" sz="1600" kern="1200" dirty="0"/>
@@ -2640,7 +2728,7 @@
             <a:spcAft>
               <a:spcPct val="15000"/>
             </a:spcAft>
-            <a:buChar char="•"/>
+            <a:buChar char="••"/>
           </a:pPr>
           <a:r>
             <a:rPr lang="en-GB" sz="1600" kern="1200" dirty="0"/>
@@ -2666,7 +2754,7 @@
             <a:spcAft>
               <a:spcPct val="15000"/>
             </a:spcAft>
-            <a:buChar char="•"/>
+            <a:buChar char="••"/>
           </a:pPr>
           <a:r>
             <a:rPr lang="en-GB" sz="1600" kern="1200" dirty="0"/>
@@ -4167,7 +4255,7 @@
           <a:p>
             <a:fld id="{800933E3-0584-4C42-B3CD-89878F7D6C23}" type="datetimeFigureOut">
               <a:rPr lang="en-GB" smtClean="0"/>
-              <a:t>31/07/2020</a:t>
+              <a:t>05/08/2020</a:t>
             </a:fld>
             <a:endParaRPr lang="en-GB"/>
           </a:p>
@@ -4367,7 +4455,7 @@
           <a:p>
             <a:fld id="{800933E3-0584-4C42-B3CD-89878F7D6C23}" type="datetimeFigureOut">
               <a:rPr lang="en-GB" smtClean="0"/>
-              <a:t>31/07/2020</a:t>
+              <a:t>05/08/2020</a:t>
             </a:fld>
             <a:endParaRPr lang="en-GB"/>
           </a:p>
@@ -4577,7 +4665,7 @@
           <a:p>
             <a:fld id="{800933E3-0584-4C42-B3CD-89878F7D6C23}" type="datetimeFigureOut">
               <a:rPr lang="en-GB" smtClean="0"/>
-              <a:t>31/07/2020</a:t>
+              <a:t>05/08/2020</a:t>
             </a:fld>
             <a:endParaRPr lang="en-GB"/>
           </a:p>
@@ -4777,7 +4865,7 @@
           <a:p>
             <a:fld id="{800933E3-0584-4C42-B3CD-89878F7D6C23}" type="datetimeFigureOut">
               <a:rPr lang="en-GB" smtClean="0"/>
-              <a:t>31/07/2020</a:t>
+              <a:t>05/08/2020</a:t>
             </a:fld>
             <a:endParaRPr lang="en-GB"/>
           </a:p>
@@ -5053,7 +5141,7 @@
           <a:p>
             <a:fld id="{800933E3-0584-4C42-B3CD-89878F7D6C23}" type="datetimeFigureOut">
               <a:rPr lang="en-GB" smtClean="0"/>
-              <a:t>31/07/2020</a:t>
+              <a:t>05/08/2020</a:t>
             </a:fld>
             <a:endParaRPr lang="en-GB"/>
           </a:p>
@@ -5321,7 +5409,7 @@
           <a:p>
             <a:fld id="{800933E3-0584-4C42-B3CD-89878F7D6C23}" type="datetimeFigureOut">
               <a:rPr lang="en-GB" smtClean="0"/>
-              <a:t>31/07/2020</a:t>
+              <a:t>05/08/2020</a:t>
             </a:fld>
             <a:endParaRPr lang="en-GB"/>
           </a:p>
@@ -5736,7 +5824,7 @@
           <a:p>
             <a:fld id="{800933E3-0584-4C42-B3CD-89878F7D6C23}" type="datetimeFigureOut">
               <a:rPr lang="en-GB" smtClean="0"/>
-              <a:t>31/07/2020</a:t>
+              <a:t>05/08/2020</a:t>
             </a:fld>
             <a:endParaRPr lang="en-GB"/>
           </a:p>
@@ -5878,7 +5966,7 @@
           <a:p>
             <a:fld id="{800933E3-0584-4C42-B3CD-89878F7D6C23}" type="datetimeFigureOut">
               <a:rPr lang="en-GB" smtClean="0"/>
-              <a:t>31/07/2020</a:t>
+              <a:t>05/08/2020</a:t>
             </a:fld>
             <a:endParaRPr lang="en-GB"/>
           </a:p>
@@ -5991,7 +6079,7 @@
           <a:p>
             <a:fld id="{800933E3-0584-4C42-B3CD-89878F7D6C23}" type="datetimeFigureOut">
               <a:rPr lang="en-GB" smtClean="0"/>
-              <a:t>31/07/2020</a:t>
+              <a:t>05/08/2020</a:t>
             </a:fld>
             <a:endParaRPr lang="en-GB"/>
           </a:p>
@@ -6304,7 +6392,7 @@
           <a:p>
             <a:fld id="{800933E3-0584-4C42-B3CD-89878F7D6C23}" type="datetimeFigureOut">
               <a:rPr lang="en-GB" smtClean="0"/>
-              <a:t>31/07/2020</a:t>
+              <a:t>05/08/2020</a:t>
             </a:fld>
             <a:endParaRPr lang="en-GB"/>
           </a:p>
@@ -6593,7 +6681,7 @@
           <a:p>
             <a:fld id="{800933E3-0584-4C42-B3CD-89878F7D6C23}" type="datetimeFigureOut">
               <a:rPr lang="en-GB" smtClean="0"/>
-              <a:t>31/07/2020</a:t>
+              <a:t>05/08/2020</a:t>
             </a:fld>
             <a:endParaRPr lang="en-GB"/>
           </a:p>
@@ -6836,7 +6924,7 @@
           <a:p>
             <a:fld id="{800933E3-0584-4C42-B3CD-89878F7D6C23}" type="datetimeFigureOut">
               <a:rPr lang="en-GB" smtClean="0"/>
-              <a:t>31/07/2020</a:t>
+              <a:t>05/08/2020</a:t>
             </a:fld>
             <a:endParaRPr lang="en-GB"/>
           </a:p>
@@ -7334,8 +7422,21 @@
           <a:p>
             <a:r>
               <a:rPr lang="en-GB" dirty="0"/>
-              <a:t>Minimal tidy dataset(s)</a:t>
+              <a:t>3</a:t>
             </a:r>
+            <a:r>
+              <a:rPr lang="en-GB" dirty="0" smtClean="0"/>
+              <a:t> (?) minimal </a:t>
+            </a:r>
+            <a:r>
+              <a:rPr lang="en-GB" dirty="0"/>
+              <a:t>tidy </a:t>
+            </a:r>
+            <a:r>
+              <a:rPr lang="en-GB" dirty="0" smtClean="0"/>
+              <a:t>datasets</a:t>
+            </a:r>
+            <a:endParaRPr lang="en-GB" dirty="0"/>
           </a:p>
         </p:txBody>
       </p:sp>
@@ -7354,14 +7455,1657 @@
           <p:nvPr>
             <p:extLst>
               <p:ext uri="{D42A27DB-BD31-4B8C-83A1-F6EECF244321}">
-                <p14:modId xmlns:p14="http://schemas.microsoft.com/office/powerpoint/2010/main" val="1099638068"/>
+                <p14:modId xmlns:p14="http://schemas.microsoft.com/office/powerpoint/2010/main" val="3367585788"/>
+              </p:ext>
+            </p:extLst>
+          </p:nvPr>
+        </p:nvGraphicFramePr>
+        <p:xfrm>
+          <a:off x="538920" y="1510747"/>
+          <a:ext cx="11098897" cy="4901724"/>
+        </p:xfrm>
+        <a:graphic>
+          <a:graphicData uri="http://schemas.openxmlformats.org/drawingml/2006/table">
+            <a:tbl>
+              <a:tblPr firstRow="1" bandRow="1">
+                <a:tableStyleId>{9D7B26C5-4107-4FEC-AEDC-1716B250A1EF}</a:tableStyleId>
+              </a:tblPr>
+              <a:tblGrid>
+                <a:gridCol w="4486858">
+                  <a:extLst>
+                    <a:ext uri="{9D8B030D-6E8A-4147-A177-3AD203B41FA5}">
+                      <a16:colId xmlns:a16="http://schemas.microsoft.com/office/drawing/2014/main" val="3527313750"/>
+                    </a:ext>
+                  </a:extLst>
+                </a:gridCol>
+                <a:gridCol w="3733617">
+                  <a:extLst>
+                    <a:ext uri="{9D8B030D-6E8A-4147-A177-3AD203B41FA5}">
+                      <a16:colId xmlns:a16="http://schemas.microsoft.com/office/drawing/2014/main" val="1769809243"/>
+                    </a:ext>
+                  </a:extLst>
+                </a:gridCol>
+                <a:gridCol w="2878422">
+                  <a:extLst>
+                    <a:ext uri="{9D8B030D-6E8A-4147-A177-3AD203B41FA5}">
+                      <a16:colId xmlns:a16="http://schemas.microsoft.com/office/drawing/2014/main" val="1945455355"/>
+                    </a:ext>
+                  </a:extLst>
+                </a:gridCol>
+              </a:tblGrid>
+              <a:tr h="733689">
+                <a:tc>
+                  <a:txBody>
+                    <a:bodyPr/>
+                    <a:lstStyle/>
+                    <a:p>
+                      <a:r>
+                        <a:rPr lang="en-GB" dirty="0" smtClean="0"/>
+                        <a:t>Poverty (and</a:t>
+                      </a:r>
+                      <a:r>
+                        <a:rPr lang="en-GB" baseline="0" dirty="0" smtClean="0"/>
+                        <a:t> </a:t>
+                      </a:r>
+                      <a:r>
+                        <a:rPr lang="en-GB" baseline="0" dirty="0" err="1" smtClean="0"/>
+                        <a:t>matdep</a:t>
+                      </a:r>
+                      <a:r>
+                        <a:rPr lang="en-GB" baseline="0" dirty="0" smtClean="0"/>
+                        <a:t>) </a:t>
+                      </a:r>
+                      <a:r>
+                        <a:rPr lang="en-GB" dirty="0" smtClean="0"/>
+                        <a:t>and equality analysis</a:t>
+                      </a:r>
+                      <a:endParaRPr lang="en-GB" dirty="0"/>
+                    </a:p>
+                  </a:txBody>
+                  <a:tcPr/>
+                </a:tc>
+                <a:tc>
+                  <a:txBody>
+                    <a:bodyPr/>
+                    <a:lstStyle/>
+                    <a:p>
+                      <a:r>
+                        <a:rPr lang="en-GB" dirty="0" smtClean="0"/>
+                        <a:t>income</a:t>
+                      </a:r>
+                      <a:endParaRPr lang="en-GB" dirty="0"/>
+                    </a:p>
+                  </a:txBody>
+                  <a:tcPr/>
+                </a:tc>
+                <a:tc>
+                  <a:txBody>
+                    <a:bodyPr/>
+                    <a:lstStyle/>
+                    <a:p>
+                      <a:r>
+                        <a:rPr lang="en-GB" dirty="0" smtClean="0"/>
+                        <a:t>Income sources (gross income)</a:t>
+                      </a:r>
+                      <a:endParaRPr lang="en-GB" dirty="0"/>
+                    </a:p>
+                  </a:txBody>
+                  <a:tcPr/>
+                </a:tc>
+                <a:extLst>
+                  <a:ext uri="{0D108BD9-81ED-4DB2-BD59-A6C34878D82A}">
+                    <a16:rowId xmlns:a16="http://schemas.microsoft.com/office/drawing/2014/main" val="1654151415"/>
+                  </a:ext>
+                </a:extLst>
+              </a:tr>
+              <a:tr h="391995">
+                <a:tc>
+                  <a:txBody>
+                    <a:bodyPr/>
+                    <a:lstStyle/>
+                    <a:p>
+                      <a:r>
+                        <a:rPr lang="en-GB" dirty="0" err="1"/>
+                        <a:t>Gs_newpp</a:t>
+                      </a:r>
+                      <a:endParaRPr lang="en-GB" dirty="0"/>
+                    </a:p>
+                  </a:txBody>
+                  <a:tcPr/>
+                </a:tc>
+                <a:tc>
+                  <a:txBody>
+                    <a:bodyPr/>
+                    <a:lstStyle/>
+                    <a:p>
+                      <a:r>
+                        <a:rPr lang="en-GB" dirty="0"/>
+                        <a:t>Deciles </a:t>
+                      </a:r>
+                      <a:r>
+                        <a:rPr lang="en-GB" dirty="0" smtClean="0"/>
+                        <a:t>points AHC</a:t>
+                      </a:r>
+                      <a:endParaRPr lang="en-GB" dirty="0"/>
+                    </a:p>
+                  </a:txBody>
+                  <a:tcPr/>
+                </a:tc>
+                <a:tc>
+                  <a:txBody>
+                    <a:bodyPr/>
+                    <a:lstStyle/>
+                    <a:p>
+                      <a:pPr marL="0" marR="0" lvl="0" indent="0" algn="l" defTabSz="914400" rtl="0" eaLnBrk="1" fontAlgn="auto" latinLnBrk="0" hangingPunct="1">
+                        <a:lnSpc>
+                          <a:spcPct val="100000"/>
+                        </a:lnSpc>
+                        <a:spcBef>
+                          <a:spcPts val="0"/>
+                        </a:spcBef>
+                        <a:spcAft>
+                          <a:spcPts val="0"/>
+                        </a:spcAft>
+                        <a:buClrTx/>
+                        <a:buSzTx/>
+                        <a:buFontTx/>
+                        <a:buNone/>
+                        <a:tabLst/>
+                        <a:defRPr/>
+                      </a:pPr>
+                      <a:r>
+                        <a:rPr lang="en-GB" dirty="0" err="1" smtClean="0"/>
+                        <a:t>Gs_newpp</a:t>
+                      </a:r>
+                      <a:endParaRPr lang="en-GB" dirty="0"/>
+                    </a:p>
+                  </a:txBody>
+                  <a:tcPr/>
+                </a:tc>
+                <a:extLst>
+                  <a:ext uri="{0D108BD9-81ED-4DB2-BD59-A6C34878D82A}">
+                    <a16:rowId xmlns:a16="http://schemas.microsoft.com/office/drawing/2014/main" val="387757947"/>
+                  </a:ext>
+                </a:extLst>
+              </a:tr>
+              <a:tr h="391995">
+                <a:tc>
+                  <a:txBody>
+                    <a:bodyPr/>
+                    <a:lstStyle/>
+                    <a:p>
+                      <a:r>
+                        <a:rPr lang="en-GB" dirty="0" err="1"/>
+                        <a:t>Gs_newch</a:t>
+                      </a:r>
+                      <a:endParaRPr lang="en-GB" dirty="0"/>
+                    </a:p>
+                  </a:txBody>
+                  <a:tcPr/>
+                </a:tc>
+                <a:tc>
+                  <a:txBody>
+                    <a:bodyPr/>
+                    <a:lstStyle/>
+                    <a:p>
+                      <a:r>
+                        <a:rPr lang="en-GB" dirty="0"/>
+                        <a:t>Deciles </a:t>
+                      </a:r>
+                      <a:r>
+                        <a:rPr lang="en-GB" dirty="0" smtClean="0"/>
+                        <a:t>points BHC</a:t>
+                      </a:r>
+                      <a:endParaRPr lang="en-GB" dirty="0"/>
+                    </a:p>
+                  </a:txBody>
+                  <a:tcPr/>
+                </a:tc>
+                <a:tc>
+                  <a:txBody>
+                    <a:bodyPr/>
+                    <a:lstStyle/>
+                    <a:p>
+                      <a:r>
+                        <a:rPr lang="en-GB" dirty="0" smtClean="0"/>
+                        <a:t>Decile flags BHC</a:t>
+                      </a:r>
+                      <a:endParaRPr lang="en-GB" dirty="0"/>
+                    </a:p>
+                  </a:txBody>
+                  <a:tcPr/>
+                </a:tc>
+                <a:extLst>
+                  <a:ext uri="{0D108BD9-81ED-4DB2-BD59-A6C34878D82A}">
+                    <a16:rowId xmlns:a16="http://schemas.microsoft.com/office/drawing/2014/main" val="1024237226"/>
+                  </a:ext>
+                </a:extLst>
+              </a:tr>
+              <a:tr h="391995">
+                <a:tc>
+                  <a:txBody>
+                    <a:bodyPr/>
+                    <a:lstStyle/>
+                    <a:p>
+                      <a:r>
+                        <a:rPr lang="en-GB" dirty="0" err="1"/>
+                        <a:t>Gs_newwa</a:t>
+                      </a:r>
+                      <a:endParaRPr lang="en-GB" dirty="0"/>
+                    </a:p>
+                  </a:txBody>
+                  <a:tcPr/>
+                </a:tc>
+                <a:tc>
+                  <a:txBody>
+                    <a:bodyPr/>
+                    <a:lstStyle/>
+                    <a:p>
+                      <a:r>
+                        <a:rPr lang="en-GB" dirty="0" smtClean="0"/>
+                        <a:t>Income distribution</a:t>
+                      </a:r>
+                      <a:endParaRPr lang="en-GB" dirty="0"/>
+                    </a:p>
+                  </a:txBody>
+                  <a:tcPr/>
+                </a:tc>
+                <a:tc>
+                  <a:txBody>
+                    <a:bodyPr/>
+                    <a:lstStyle/>
+                    <a:p>
+                      <a:endParaRPr lang="en-GB" dirty="0"/>
+                    </a:p>
+                  </a:txBody>
+                  <a:tcPr/>
+                </a:tc>
+                <a:extLst>
+                  <a:ext uri="{0D108BD9-81ED-4DB2-BD59-A6C34878D82A}">
+                    <a16:rowId xmlns:a16="http://schemas.microsoft.com/office/drawing/2014/main" val="989194007"/>
+                  </a:ext>
+                </a:extLst>
+              </a:tr>
+              <a:tr h="391995">
+                <a:tc>
+                  <a:txBody>
+                    <a:bodyPr/>
+                    <a:lstStyle/>
+                    <a:p>
+                      <a:r>
+                        <a:rPr lang="en-GB" dirty="0" err="1"/>
+                        <a:t>Gs_newpn</a:t>
+                      </a:r>
+                      <a:endParaRPr lang="en-GB" dirty="0"/>
+                    </a:p>
+                  </a:txBody>
+                  <a:tcPr/>
+                </a:tc>
+                <a:tc>
+                  <a:txBody>
+                    <a:bodyPr/>
+                    <a:lstStyle/>
+                    <a:p>
+                      <a:pPr marL="0" marR="0" lvl="0" indent="0" algn="l" defTabSz="914400" rtl="0" eaLnBrk="1" fontAlgn="auto" latinLnBrk="0" hangingPunct="1">
+                        <a:lnSpc>
+                          <a:spcPct val="100000"/>
+                        </a:lnSpc>
+                        <a:spcBef>
+                          <a:spcPts val="0"/>
+                        </a:spcBef>
+                        <a:spcAft>
+                          <a:spcPts val="0"/>
+                        </a:spcAft>
+                        <a:buClrTx/>
+                        <a:buSzTx/>
+                        <a:buFontTx/>
+                        <a:buNone/>
+                        <a:tabLst/>
+                        <a:defRPr/>
+                      </a:pPr>
+                      <a:r>
+                        <a:rPr lang="en-GB" dirty="0" err="1" smtClean="0"/>
+                        <a:t>Gs_newpp</a:t>
+                      </a:r>
+                      <a:r>
+                        <a:rPr lang="en-GB" dirty="0" smtClean="0"/>
+                        <a:t>, </a:t>
+                      </a:r>
+                      <a:r>
+                        <a:rPr lang="en-GB" dirty="0" err="1" smtClean="0"/>
+                        <a:t>gs_newch</a:t>
+                      </a:r>
+                      <a:r>
+                        <a:rPr lang="en-GB" dirty="0" smtClean="0"/>
+                        <a:t>, </a:t>
+                      </a:r>
+                      <a:r>
+                        <a:rPr lang="en-GB" dirty="0" err="1" smtClean="0"/>
+                        <a:t>gs_newwa</a:t>
+                      </a:r>
+                      <a:r>
+                        <a:rPr lang="en-GB" dirty="0" smtClean="0"/>
+                        <a:t>,</a:t>
+                      </a:r>
+                      <a:r>
+                        <a:rPr lang="en-GB" baseline="0" dirty="0" smtClean="0"/>
+                        <a:t> </a:t>
+                      </a:r>
+                      <a:r>
+                        <a:rPr lang="en-GB" baseline="0" dirty="0" err="1" smtClean="0"/>
+                        <a:t>gs_newpn</a:t>
+                      </a:r>
+                      <a:endParaRPr lang="en-GB" dirty="0" smtClean="0"/>
+                    </a:p>
+                  </a:txBody>
+                  <a:tcPr/>
+                </a:tc>
+                <a:tc>
+                  <a:txBody>
+                    <a:bodyPr/>
+                    <a:lstStyle/>
+                    <a:p>
+                      <a:endParaRPr lang="en-GB"/>
+                    </a:p>
+                  </a:txBody>
+                  <a:tcPr/>
+                </a:tc>
+                <a:extLst>
+                  <a:ext uri="{0D108BD9-81ED-4DB2-BD59-A6C34878D82A}">
+                    <a16:rowId xmlns:a16="http://schemas.microsoft.com/office/drawing/2014/main" val="1697229958"/>
+                  </a:ext>
+                </a:extLst>
+              </a:tr>
+              <a:tr h="391995">
+                <a:tc>
+                  <a:txBody>
+                    <a:bodyPr/>
+                    <a:lstStyle/>
+                    <a:p>
+                      <a:pPr marL="0" marR="0" lvl="0" indent="0" algn="l" defTabSz="914400" rtl="0" eaLnBrk="1" fontAlgn="auto" latinLnBrk="0" hangingPunct="1">
+                        <a:lnSpc>
+                          <a:spcPct val="100000"/>
+                        </a:lnSpc>
+                        <a:spcBef>
+                          <a:spcPts val="0"/>
+                        </a:spcBef>
+                        <a:spcAft>
+                          <a:spcPts val="0"/>
+                        </a:spcAft>
+                        <a:buClrTx/>
+                        <a:buSzTx/>
+                        <a:buFontTx/>
+                        <a:buNone/>
+                        <a:tabLst/>
+                        <a:defRPr/>
+                      </a:pPr>
+                      <a:r>
+                        <a:rPr lang="en-GB" dirty="0" smtClean="0"/>
+                        <a:t>Children’s weights by age group</a:t>
+                      </a:r>
+                    </a:p>
+                  </a:txBody>
+                  <a:tcPr/>
+                </a:tc>
+                <a:tc>
+                  <a:txBody>
+                    <a:bodyPr/>
+                    <a:lstStyle/>
+                    <a:p>
+                      <a:r>
+                        <a:rPr lang="en-GB" dirty="0" smtClean="0"/>
+                        <a:t>Decile flags AHC</a:t>
+                      </a:r>
+                    </a:p>
+                  </a:txBody>
+                  <a:tcPr/>
+                </a:tc>
+                <a:tc>
+                  <a:txBody>
+                    <a:bodyPr/>
+                    <a:lstStyle/>
+                    <a:p>
+                      <a:endParaRPr lang="en-GB"/>
+                    </a:p>
+                  </a:txBody>
+                  <a:tcPr/>
+                </a:tc>
+                <a:extLst>
+                  <a:ext uri="{0D108BD9-81ED-4DB2-BD59-A6C34878D82A}">
+                    <a16:rowId xmlns:a16="http://schemas.microsoft.com/office/drawing/2014/main" val="1798083611"/>
+                  </a:ext>
+                </a:extLst>
+              </a:tr>
+              <a:tr h="391995">
+                <a:tc>
+                  <a:txBody>
+                    <a:bodyPr/>
+                    <a:lstStyle/>
+                    <a:p>
+                      <a:pPr lvl="0"/>
+                      <a:r>
+                        <a:rPr lang="en-GB" dirty="0" smtClean="0"/>
+                        <a:t>UK and nations</a:t>
+                      </a:r>
+                      <a:endParaRPr lang="en-GB" dirty="0"/>
+                    </a:p>
+                  </a:txBody>
+                  <a:tcPr/>
+                </a:tc>
+                <a:tc>
+                  <a:txBody>
+                    <a:bodyPr/>
+                    <a:lstStyle/>
+                    <a:p>
+                      <a:r>
+                        <a:rPr lang="en-GB" dirty="0" smtClean="0"/>
+                        <a:t>Decile flags BHC</a:t>
+                      </a:r>
+                      <a:endParaRPr lang="en-GB" dirty="0"/>
+                    </a:p>
+                  </a:txBody>
+                  <a:tcPr/>
+                </a:tc>
+                <a:tc>
+                  <a:txBody>
+                    <a:bodyPr/>
+                    <a:lstStyle/>
+                    <a:p>
+                      <a:endParaRPr lang="en-GB"/>
+                    </a:p>
+                  </a:txBody>
+                  <a:tcPr/>
+                </a:tc>
+                <a:extLst>
+                  <a:ext uri="{0D108BD9-81ED-4DB2-BD59-A6C34878D82A}">
+                    <a16:rowId xmlns:a16="http://schemas.microsoft.com/office/drawing/2014/main" val="1132813486"/>
+                  </a:ext>
+                </a:extLst>
+              </a:tr>
+              <a:tr h="391995">
+                <a:tc>
+                  <a:txBody>
+                    <a:bodyPr/>
+                    <a:lstStyle/>
+                    <a:p>
+                      <a:pPr lvl="0"/>
+                      <a:r>
+                        <a:rPr lang="en-GB" dirty="0" smtClean="0"/>
+                        <a:t>Disability minus benefits</a:t>
+                      </a:r>
+                      <a:endParaRPr lang="en-GB" dirty="0"/>
+                    </a:p>
+                  </a:txBody>
+                  <a:tcPr/>
+                </a:tc>
+                <a:tc>
+                  <a:txBody>
+                    <a:bodyPr/>
+                    <a:lstStyle/>
+                    <a:p>
+                      <a:r>
+                        <a:rPr lang="en-GB" dirty="0" smtClean="0"/>
+                        <a:t>Poverty thresholds</a:t>
+                      </a:r>
+                      <a:endParaRPr lang="en-GB" dirty="0"/>
+                    </a:p>
+                  </a:txBody>
+                  <a:tcPr/>
+                </a:tc>
+                <a:tc>
+                  <a:txBody>
+                    <a:bodyPr/>
+                    <a:lstStyle/>
+                    <a:p>
+                      <a:endParaRPr lang="en-GB"/>
+                    </a:p>
+                  </a:txBody>
+                  <a:tcPr/>
+                </a:tc>
+                <a:extLst>
+                  <a:ext uri="{0D108BD9-81ED-4DB2-BD59-A6C34878D82A}">
+                    <a16:rowId xmlns:a16="http://schemas.microsoft.com/office/drawing/2014/main" val="2578076100"/>
+                  </a:ext>
+                </a:extLst>
+              </a:tr>
+              <a:tr h="391995">
+                <a:tc>
+                  <a:txBody>
+                    <a:bodyPr/>
+                    <a:lstStyle/>
+                    <a:p>
+                      <a:pPr marL="0" marR="0" lvl="0" indent="0" algn="l" defTabSz="914400" rtl="0" eaLnBrk="1" fontAlgn="auto" latinLnBrk="0" hangingPunct="1">
+                        <a:lnSpc>
+                          <a:spcPct val="100000"/>
+                        </a:lnSpc>
+                        <a:spcBef>
+                          <a:spcPts val="0"/>
+                        </a:spcBef>
+                        <a:spcAft>
+                          <a:spcPts val="0"/>
+                        </a:spcAft>
+                        <a:buClrTx/>
+                        <a:buSzTx/>
+                        <a:buFontTx/>
+                        <a:buNone/>
+                        <a:tabLst/>
+                        <a:defRPr/>
+                      </a:pPr>
+                      <a:r>
+                        <a:rPr lang="en-GB" dirty="0" smtClean="0"/>
+                        <a:t>Hhld work status</a:t>
+                      </a:r>
+                    </a:p>
+                  </a:txBody>
+                  <a:tcPr/>
+                </a:tc>
+                <a:tc>
+                  <a:txBody>
+                    <a:bodyPr/>
+                    <a:lstStyle/>
+                    <a:p>
+                      <a:r>
+                        <a:rPr lang="en-GB" dirty="0" smtClean="0"/>
+                        <a:t>inequality</a:t>
+                      </a:r>
+                      <a:endParaRPr lang="en-GB" dirty="0"/>
+                    </a:p>
+                  </a:txBody>
+                  <a:tcPr/>
+                </a:tc>
+                <a:tc>
+                  <a:txBody>
+                    <a:bodyPr/>
+                    <a:lstStyle/>
+                    <a:p>
+                      <a:endParaRPr lang="en-GB"/>
+                    </a:p>
+                  </a:txBody>
+                  <a:tcPr/>
+                </a:tc>
+                <a:extLst>
+                  <a:ext uri="{0D108BD9-81ED-4DB2-BD59-A6C34878D82A}">
+                    <a16:rowId xmlns:a16="http://schemas.microsoft.com/office/drawing/2014/main" val="3287798356"/>
+                  </a:ext>
+                </a:extLst>
+              </a:tr>
+              <a:tr h="391995">
+                <a:tc>
+                  <a:txBody>
+                    <a:bodyPr/>
+                    <a:lstStyle/>
+                    <a:p>
+                      <a:pPr lvl="0"/>
+                      <a:endParaRPr lang="en-GB" dirty="0"/>
+                    </a:p>
+                  </a:txBody>
+                  <a:tcPr/>
+                </a:tc>
+                <a:tc>
+                  <a:txBody>
+                    <a:bodyPr/>
+                    <a:lstStyle/>
+                    <a:p>
+                      <a:pPr marL="0" marR="0" lvl="0" indent="0" algn="l" defTabSz="914400" rtl="0" eaLnBrk="1" fontAlgn="auto" latinLnBrk="0" hangingPunct="1">
+                        <a:lnSpc>
+                          <a:spcPct val="100000"/>
+                        </a:lnSpc>
+                        <a:spcBef>
+                          <a:spcPts val="0"/>
+                        </a:spcBef>
+                        <a:spcAft>
+                          <a:spcPts val="0"/>
+                        </a:spcAft>
+                        <a:buClrTx/>
+                        <a:buSzTx/>
+                        <a:buFontTx/>
+                        <a:buNone/>
+                        <a:tabLst/>
+                        <a:defRPr/>
+                      </a:pPr>
+                      <a:r>
+                        <a:rPr lang="en-GB" dirty="0" smtClean="0"/>
+                        <a:t>UK and nations</a:t>
+                      </a:r>
+                    </a:p>
+                  </a:txBody>
+                  <a:tcPr/>
+                </a:tc>
+                <a:tc>
+                  <a:txBody>
+                    <a:bodyPr/>
+                    <a:lstStyle/>
+                    <a:p>
+                      <a:endParaRPr lang="en-GB" dirty="0"/>
+                    </a:p>
+                  </a:txBody>
+                  <a:tcPr/>
+                </a:tc>
+                <a:extLst>
+                  <a:ext uri="{0D108BD9-81ED-4DB2-BD59-A6C34878D82A}">
+                    <a16:rowId xmlns:a16="http://schemas.microsoft.com/office/drawing/2014/main" val="2620026092"/>
+                  </a:ext>
+                </a:extLst>
+              </a:tr>
+              <a:tr h="391995">
+                <a:tc>
+                  <a:txBody>
+                    <a:bodyPr/>
+                    <a:lstStyle/>
+                    <a:p>
+                      <a:pPr lvl="0"/>
+                      <a:endParaRPr lang="en-GB" dirty="0"/>
+                    </a:p>
+                  </a:txBody>
+                  <a:tcPr/>
+                </a:tc>
+                <a:tc>
+                  <a:txBody>
+                    <a:bodyPr/>
+                    <a:lstStyle/>
+                    <a:p>
+                      <a:endParaRPr lang="en-GB" dirty="0"/>
+                    </a:p>
+                  </a:txBody>
+                  <a:tcPr/>
+                </a:tc>
+                <a:tc>
+                  <a:txBody>
+                    <a:bodyPr/>
+                    <a:lstStyle/>
+                    <a:p>
+                      <a:endParaRPr lang="en-GB" dirty="0"/>
+                    </a:p>
+                  </a:txBody>
+                  <a:tcPr/>
+                </a:tc>
+                <a:extLst>
+                  <a:ext uri="{0D108BD9-81ED-4DB2-BD59-A6C34878D82A}">
+                    <a16:rowId xmlns:a16="http://schemas.microsoft.com/office/drawing/2014/main" val="2099877376"/>
+                  </a:ext>
+                </a:extLst>
+              </a:tr>
+            </a:tbl>
+          </a:graphicData>
+        </a:graphic>
+      </p:graphicFrame>
+    </p:spTree>
+    <p:extLst>
+      <p:ext uri="{BB962C8B-B14F-4D97-AF65-F5344CB8AC3E}">
+        <p14:creationId xmlns:p14="http://schemas.microsoft.com/office/powerpoint/2010/main" val="1002408379"/>
+      </p:ext>
+    </p:extLst>
+  </p:cSld>
+  <p:clrMapOvr>
+    <a:masterClrMapping/>
+  </p:clrMapOvr>
+</p:sld>
+</file>
+
+<file path=ppt/slides/slide3.xml><?xml version="1.0" encoding="utf-8"?>
+<p:sld xmlns:a="http://schemas.openxmlformats.org/drawingml/2006/main" xmlns:r="http://schemas.openxmlformats.org/officeDocument/2006/relationships" xmlns:p="http://schemas.openxmlformats.org/presentationml/2006/main">
+  <p:cSld>
+    <p:spTree>
+      <p:nvGrpSpPr>
+        <p:cNvPr id="1" name=""/>
+        <p:cNvGrpSpPr/>
+        <p:nvPr/>
+      </p:nvGrpSpPr>
+      <p:grpSpPr>
+        <a:xfrm>
+          <a:off x="0" y="0"/>
+          <a:ext cx="0" cy="0"/>
+          <a:chOff x="0" y="0"/>
+          <a:chExt cx="0" cy="0"/>
+        </a:xfrm>
+      </p:grpSpPr>
+      <p:sp>
+        <p:nvSpPr>
+          <p:cNvPr id="2" name="Title 1">
+            <a:extLst>
+              <a:ext uri="{FF2B5EF4-FFF2-40B4-BE49-F238E27FC236}">
+                <a16:creationId xmlns:a16="http://schemas.microsoft.com/office/drawing/2014/main" id="{95BB0B67-25B5-4B39-A2AB-FA21A36D41BC}"/>
+              </a:ext>
+            </a:extLst>
+          </p:cNvPr>
+          <p:cNvSpPr>
+            <a:spLocks noGrp="1"/>
+          </p:cNvSpPr>
+          <p:nvPr>
+            <p:ph type="title"/>
+          </p:nvPr>
+        </p:nvSpPr>
+        <p:spPr/>
+        <p:txBody>
+          <a:bodyPr/>
+          <a:lstStyle/>
+          <a:p>
+            <a:r>
+              <a:rPr lang="en-GB" dirty="0" smtClean="0"/>
+              <a:t>Poverty analysis dataset</a:t>
+            </a:r>
+            <a:r>
+              <a:rPr lang="en-GB" dirty="0"/>
+              <a:t>s</a:t>
+            </a:r>
+            <a:endParaRPr lang="en-GB" dirty="0"/>
+          </a:p>
+        </p:txBody>
+      </p:sp>
+      <p:graphicFrame>
+        <p:nvGraphicFramePr>
+          <p:cNvPr id="4" name="Table 4">
+            <a:extLst>
+              <a:ext uri="{FF2B5EF4-FFF2-40B4-BE49-F238E27FC236}">
+                <a16:creationId xmlns:a16="http://schemas.microsoft.com/office/drawing/2014/main" id="{34971EFB-FC2C-42EC-8355-05657D57EE51}"/>
+              </a:ext>
+            </a:extLst>
+          </p:cNvPr>
+          <p:cNvGraphicFramePr>
+            <a:graphicFrameLocks noGrp="1"/>
+          </p:cNvGraphicFramePr>
+          <p:nvPr>
+            <p:extLst>
+              <p:ext uri="{D42A27DB-BD31-4B8C-83A1-F6EECF244321}">
+                <p14:modId xmlns:p14="http://schemas.microsoft.com/office/powerpoint/2010/main" val="158870333"/>
               </p:ext>
             </p:extLst>
           </p:nvPr>
         </p:nvGraphicFramePr>
         <p:xfrm>
           <a:off x="538921" y="1510747"/>
-          <a:ext cx="11114157" cy="7002675"/>
+          <a:ext cx="10914172" cy="4653639"/>
+        </p:xfrm>
+        <a:graphic>
+          <a:graphicData uri="http://schemas.openxmlformats.org/drawingml/2006/table">
+            <a:tbl>
+              <a:tblPr firstRow="1" bandRow="1">
+                <a:tableStyleId>{9D7B26C5-4107-4FEC-AEDC-1716B250A1EF}</a:tableStyleId>
+              </a:tblPr>
+              <a:tblGrid>
+                <a:gridCol w="2779219">
+                  <a:extLst>
+                    <a:ext uri="{9D8B030D-6E8A-4147-A177-3AD203B41FA5}">
+                      <a16:colId xmlns:a16="http://schemas.microsoft.com/office/drawing/2014/main" val="3527313750"/>
+                    </a:ext>
+                  </a:extLst>
+                </a:gridCol>
+                <a:gridCol w="2256435">
+                  <a:extLst>
+                    <a:ext uri="{9D8B030D-6E8A-4147-A177-3AD203B41FA5}">
+                      <a16:colId xmlns:a16="http://schemas.microsoft.com/office/drawing/2014/main" val="2851923575"/>
+                    </a:ext>
+                  </a:extLst>
+                </a:gridCol>
+                <a:gridCol w="2312652">
+                  <a:extLst>
+                    <a:ext uri="{9D8B030D-6E8A-4147-A177-3AD203B41FA5}">
+                      <a16:colId xmlns:a16="http://schemas.microsoft.com/office/drawing/2014/main" val="1769809243"/>
+                    </a:ext>
+                  </a:extLst>
+                </a:gridCol>
+                <a:gridCol w="1782933">
+                  <a:extLst>
+                    <a:ext uri="{9D8B030D-6E8A-4147-A177-3AD203B41FA5}">
+                      <a16:colId xmlns:a16="http://schemas.microsoft.com/office/drawing/2014/main" val="1945455355"/>
+                    </a:ext>
+                  </a:extLst>
+                </a:gridCol>
+                <a:gridCol w="1782933">
+                  <a:extLst>
+                    <a:ext uri="{9D8B030D-6E8A-4147-A177-3AD203B41FA5}">
+                      <a16:colId xmlns:a16="http://schemas.microsoft.com/office/drawing/2014/main" val="3549022205"/>
+                    </a:ext>
+                  </a:extLst>
+                </a:gridCol>
+              </a:tblGrid>
+              <a:tr h="733689">
+                <a:tc>
+                  <a:txBody>
+                    <a:bodyPr/>
+                    <a:lstStyle/>
+                    <a:p>
+                      <a:r>
+                        <a:rPr lang="en-GB" dirty="0" smtClean="0"/>
+                        <a:t>Poverty and pensioner mat dep – hh</a:t>
+                      </a:r>
+                      <a:r>
+                        <a:rPr lang="en-GB" baseline="0" dirty="0" smtClean="0"/>
+                        <a:t>ld level</a:t>
+                      </a:r>
+                      <a:endParaRPr lang="en-GB" dirty="0"/>
+                    </a:p>
+                  </a:txBody>
+                  <a:tcPr/>
+                </a:tc>
+                <a:tc>
+                  <a:txBody>
+                    <a:bodyPr/>
+                    <a:lstStyle/>
+                    <a:p>
+                      <a:r>
+                        <a:rPr lang="en-GB" dirty="0" smtClean="0"/>
+                        <a:t>Child poverty and </a:t>
+                      </a:r>
+                      <a:r>
+                        <a:rPr lang="en-GB" dirty="0" err="1" smtClean="0"/>
+                        <a:t>CMD</a:t>
+                      </a:r>
+                      <a:r>
+                        <a:rPr lang="en-GB" dirty="0" smtClean="0"/>
+                        <a:t> –hhld level</a:t>
+                      </a:r>
+                      <a:endParaRPr lang="en-GB" dirty="0"/>
+                    </a:p>
+                  </a:txBody>
+                  <a:tcPr/>
+                </a:tc>
+                <a:tc>
+                  <a:txBody>
+                    <a:bodyPr/>
+                    <a:lstStyle/>
+                    <a:p>
+                      <a:pPr marL="0" marR="0" lvl="0" indent="0" algn="l" defTabSz="914400" rtl="0" eaLnBrk="1" fontAlgn="auto" latinLnBrk="0" hangingPunct="1">
+                        <a:lnSpc>
+                          <a:spcPct val="100000"/>
+                        </a:lnSpc>
+                        <a:spcBef>
+                          <a:spcPts val="0"/>
+                        </a:spcBef>
+                        <a:spcAft>
+                          <a:spcPts val="0"/>
+                        </a:spcAft>
+                        <a:buClrTx/>
+                        <a:buSzTx/>
+                        <a:buFontTx/>
+                        <a:buNone/>
+                        <a:tabLst/>
+                        <a:defRPr/>
+                      </a:pPr>
+                      <a:r>
+                        <a:rPr lang="en-GB" dirty="0" smtClean="0"/>
+                        <a:t>Poverty – adult level</a:t>
+                      </a:r>
+                    </a:p>
+                    <a:p>
+                      <a:endParaRPr lang="en-GB" dirty="0"/>
+                    </a:p>
+                  </a:txBody>
+                  <a:tcPr/>
+                </a:tc>
+                <a:tc>
+                  <a:txBody>
+                    <a:bodyPr/>
+                    <a:lstStyle/>
+                    <a:p>
+                      <a:endParaRPr lang="en-GB" dirty="0"/>
+                    </a:p>
+                  </a:txBody>
+                  <a:tcPr/>
+                </a:tc>
+                <a:tc>
+                  <a:txBody>
+                    <a:bodyPr/>
+                    <a:lstStyle/>
+                    <a:p>
+                      <a:endParaRPr lang="en-GB" dirty="0"/>
+                    </a:p>
+                  </a:txBody>
+                  <a:tcPr/>
+                </a:tc>
+                <a:extLst>
+                  <a:ext uri="{0D108BD9-81ED-4DB2-BD59-A6C34878D82A}">
+                    <a16:rowId xmlns:a16="http://schemas.microsoft.com/office/drawing/2014/main" val="1654151415"/>
+                  </a:ext>
+                </a:extLst>
+              </a:tr>
+              <a:tr h="391995">
+                <a:tc>
+                  <a:txBody>
+                    <a:bodyPr/>
+                    <a:lstStyle/>
+                    <a:p>
+                      <a:endParaRPr lang="en-GB" dirty="0"/>
+                    </a:p>
+                  </a:txBody>
+                  <a:tcPr/>
+                </a:tc>
+                <a:tc>
+                  <a:txBody>
+                    <a:bodyPr/>
+                    <a:lstStyle/>
+                    <a:p>
+                      <a:pPr marL="0" marR="0" lvl="0" indent="0" algn="l" defTabSz="914400" rtl="0" eaLnBrk="1" fontAlgn="auto" latinLnBrk="0" hangingPunct="1">
+                        <a:lnSpc>
+                          <a:spcPct val="100000"/>
+                        </a:lnSpc>
+                        <a:spcBef>
+                          <a:spcPts val="0"/>
+                        </a:spcBef>
+                        <a:spcAft>
+                          <a:spcPts val="0"/>
+                        </a:spcAft>
+                        <a:buClrTx/>
+                        <a:buSzTx/>
+                        <a:buFontTx/>
+                        <a:buNone/>
+                        <a:tabLst/>
+                        <a:defRPr/>
+                      </a:pPr>
+                      <a:endParaRPr lang="en-GB" dirty="0" smtClean="0"/>
+                    </a:p>
+                  </a:txBody>
+                  <a:tcPr/>
+                </a:tc>
+                <a:tc>
+                  <a:txBody>
+                    <a:bodyPr/>
+                    <a:lstStyle/>
+                    <a:p>
+                      <a:endParaRPr lang="en-GB" dirty="0"/>
+                    </a:p>
+                  </a:txBody>
+                  <a:tcPr/>
+                </a:tc>
+                <a:tc>
+                  <a:txBody>
+                    <a:bodyPr/>
+                    <a:lstStyle/>
+                    <a:p>
+                      <a:endParaRPr lang="en-GB" dirty="0"/>
+                    </a:p>
+                  </a:txBody>
+                  <a:tcPr/>
+                </a:tc>
+                <a:tc>
+                  <a:txBody>
+                    <a:bodyPr/>
+                    <a:lstStyle/>
+                    <a:p>
+                      <a:endParaRPr lang="en-GB" dirty="0"/>
+                    </a:p>
+                  </a:txBody>
+                  <a:tcPr/>
+                </a:tc>
+                <a:extLst>
+                  <a:ext uri="{0D108BD9-81ED-4DB2-BD59-A6C34878D82A}">
+                    <a16:rowId xmlns:a16="http://schemas.microsoft.com/office/drawing/2014/main" val="387757947"/>
+                  </a:ext>
+                </a:extLst>
+              </a:tr>
+              <a:tr h="391995">
+                <a:tc>
+                  <a:txBody>
+                    <a:bodyPr/>
+                    <a:lstStyle/>
+                    <a:p>
+                      <a:endParaRPr lang="en-GB" dirty="0"/>
+                    </a:p>
+                  </a:txBody>
+                  <a:tcPr/>
+                </a:tc>
+                <a:tc>
+                  <a:txBody>
+                    <a:bodyPr/>
+                    <a:lstStyle/>
+                    <a:p>
+                      <a:pPr marL="0" marR="0" lvl="0" indent="0" algn="l" defTabSz="914400" rtl="0" eaLnBrk="1" fontAlgn="auto" latinLnBrk="0" hangingPunct="1">
+                        <a:lnSpc>
+                          <a:spcPct val="100000"/>
+                        </a:lnSpc>
+                        <a:spcBef>
+                          <a:spcPts val="0"/>
+                        </a:spcBef>
+                        <a:spcAft>
+                          <a:spcPts val="0"/>
+                        </a:spcAft>
+                        <a:buClrTx/>
+                        <a:buSzTx/>
+                        <a:buFontTx/>
+                        <a:buNone/>
+                        <a:tabLst/>
+                        <a:defRPr/>
+                      </a:pPr>
+                      <a:endParaRPr lang="en-GB" dirty="0" smtClean="0"/>
+                    </a:p>
+                  </a:txBody>
+                  <a:tcPr/>
+                </a:tc>
+                <a:tc>
+                  <a:txBody>
+                    <a:bodyPr/>
+                    <a:lstStyle/>
+                    <a:p>
+                      <a:endParaRPr lang="en-GB" dirty="0"/>
+                    </a:p>
+                  </a:txBody>
+                  <a:tcPr/>
+                </a:tc>
+                <a:tc>
+                  <a:txBody>
+                    <a:bodyPr/>
+                    <a:lstStyle/>
+                    <a:p>
+                      <a:endParaRPr lang="en-GB" dirty="0"/>
+                    </a:p>
+                  </a:txBody>
+                  <a:tcPr/>
+                </a:tc>
+                <a:tc>
+                  <a:txBody>
+                    <a:bodyPr/>
+                    <a:lstStyle/>
+                    <a:p>
+                      <a:endParaRPr lang="en-GB"/>
+                    </a:p>
+                  </a:txBody>
+                  <a:tcPr/>
+                </a:tc>
+                <a:extLst>
+                  <a:ext uri="{0D108BD9-81ED-4DB2-BD59-A6C34878D82A}">
+                    <a16:rowId xmlns:a16="http://schemas.microsoft.com/office/drawing/2014/main" val="1024237226"/>
+                  </a:ext>
+                </a:extLst>
+              </a:tr>
+              <a:tr h="391995">
+                <a:tc>
+                  <a:txBody>
+                    <a:bodyPr/>
+                    <a:lstStyle/>
+                    <a:p>
+                      <a:endParaRPr lang="en-GB" dirty="0"/>
+                    </a:p>
+                  </a:txBody>
+                  <a:tcPr/>
+                </a:tc>
+                <a:tc>
+                  <a:txBody>
+                    <a:bodyPr/>
+                    <a:lstStyle/>
+                    <a:p>
+                      <a:endParaRPr lang="en-GB" dirty="0"/>
+                    </a:p>
+                  </a:txBody>
+                  <a:tcPr/>
+                </a:tc>
+                <a:tc>
+                  <a:txBody>
+                    <a:bodyPr/>
+                    <a:lstStyle/>
+                    <a:p>
+                      <a:endParaRPr lang="en-GB" dirty="0"/>
+                    </a:p>
+                  </a:txBody>
+                  <a:tcPr/>
+                </a:tc>
+                <a:tc>
+                  <a:txBody>
+                    <a:bodyPr/>
+                    <a:lstStyle/>
+                    <a:p>
+                      <a:endParaRPr lang="en-GB"/>
+                    </a:p>
+                  </a:txBody>
+                  <a:tcPr/>
+                </a:tc>
+                <a:tc>
+                  <a:txBody>
+                    <a:bodyPr/>
+                    <a:lstStyle/>
+                    <a:p>
+                      <a:endParaRPr lang="en-GB"/>
+                    </a:p>
+                  </a:txBody>
+                  <a:tcPr/>
+                </a:tc>
+                <a:extLst>
+                  <a:ext uri="{0D108BD9-81ED-4DB2-BD59-A6C34878D82A}">
+                    <a16:rowId xmlns:a16="http://schemas.microsoft.com/office/drawing/2014/main" val="989194007"/>
+                  </a:ext>
+                </a:extLst>
+              </a:tr>
+              <a:tr h="391995">
+                <a:tc>
+                  <a:txBody>
+                    <a:bodyPr/>
+                    <a:lstStyle/>
+                    <a:p>
+                      <a:endParaRPr lang="en-GB" dirty="0"/>
+                    </a:p>
+                  </a:txBody>
+                  <a:tcPr/>
+                </a:tc>
+                <a:tc>
+                  <a:txBody>
+                    <a:bodyPr/>
+                    <a:lstStyle/>
+                    <a:p>
+                      <a:endParaRPr lang="en-GB" dirty="0"/>
+                    </a:p>
+                  </a:txBody>
+                  <a:tcPr/>
+                </a:tc>
+                <a:tc>
+                  <a:txBody>
+                    <a:bodyPr/>
+                    <a:lstStyle/>
+                    <a:p>
+                      <a:pPr marL="0" marR="0" lvl="0" indent="0" algn="l" defTabSz="914400" rtl="0" eaLnBrk="1" fontAlgn="auto" latinLnBrk="0" hangingPunct="1">
+                        <a:lnSpc>
+                          <a:spcPct val="100000"/>
+                        </a:lnSpc>
+                        <a:spcBef>
+                          <a:spcPts val="0"/>
+                        </a:spcBef>
+                        <a:spcAft>
+                          <a:spcPts val="0"/>
+                        </a:spcAft>
+                        <a:buClrTx/>
+                        <a:buSzTx/>
+                        <a:buFontTx/>
+                        <a:buNone/>
+                        <a:tabLst/>
+                        <a:defRPr/>
+                      </a:pPr>
+                      <a:endParaRPr lang="en-GB" dirty="0" smtClean="0"/>
+                    </a:p>
+                  </a:txBody>
+                  <a:tcPr/>
+                </a:tc>
+                <a:tc>
+                  <a:txBody>
+                    <a:bodyPr/>
+                    <a:lstStyle/>
+                    <a:p>
+                      <a:endParaRPr lang="en-GB"/>
+                    </a:p>
+                  </a:txBody>
+                  <a:tcPr/>
+                </a:tc>
+                <a:tc>
+                  <a:txBody>
+                    <a:bodyPr/>
+                    <a:lstStyle/>
+                    <a:p>
+                      <a:endParaRPr lang="en-GB"/>
+                    </a:p>
+                  </a:txBody>
+                  <a:tcPr/>
+                </a:tc>
+                <a:extLst>
+                  <a:ext uri="{0D108BD9-81ED-4DB2-BD59-A6C34878D82A}">
+                    <a16:rowId xmlns:a16="http://schemas.microsoft.com/office/drawing/2014/main" val="1697229958"/>
+                  </a:ext>
+                </a:extLst>
+              </a:tr>
+              <a:tr h="391995">
+                <a:tc>
+                  <a:txBody>
+                    <a:bodyPr/>
+                    <a:lstStyle/>
+                    <a:p>
+                      <a:pPr lvl="0"/>
+                      <a:endParaRPr lang="en-GB" dirty="0"/>
+                    </a:p>
+                  </a:txBody>
+                  <a:tcPr/>
+                </a:tc>
+                <a:tc>
+                  <a:txBody>
+                    <a:bodyPr/>
+                    <a:lstStyle/>
+                    <a:p>
+                      <a:pPr marL="0" marR="0" lvl="0" indent="0" algn="l" defTabSz="914400" rtl="0" eaLnBrk="1" fontAlgn="auto" latinLnBrk="0" hangingPunct="1">
+                        <a:lnSpc>
+                          <a:spcPct val="100000"/>
+                        </a:lnSpc>
+                        <a:spcBef>
+                          <a:spcPts val="0"/>
+                        </a:spcBef>
+                        <a:spcAft>
+                          <a:spcPts val="0"/>
+                        </a:spcAft>
+                        <a:buClrTx/>
+                        <a:buSzTx/>
+                        <a:buFontTx/>
+                        <a:buNone/>
+                        <a:tabLst/>
+                        <a:defRPr/>
+                      </a:pPr>
+                      <a:endParaRPr lang="en-GB" dirty="0" smtClean="0"/>
+                    </a:p>
+                  </a:txBody>
+                  <a:tcPr/>
+                </a:tc>
+                <a:tc>
+                  <a:txBody>
+                    <a:bodyPr/>
+                    <a:lstStyle/>
+                    <a:p>
+                      <a:endParaRPr lang="en-GB" dirty="0" smtClean="0"/>
+                    </a:p>
+                  </a:txBody>
+                  <a:tcPr/>
+                </a:tc>
+                <a:tc>
+                  <a:txBody>
+                    <a:bodyPr/>
+                    <a:lstStyle/>
+                    <a:p>
+                      <a:endParaRPr lang="en-GB"/>
+                    </a:p>
+                  </a:txBody>
+                  <a:tcPr/>
+                </a:tc>
+                <a:tc>
+                  <a:txBody>
+                    <a:bodyPr/>
+                    <a:lstStyle/>
+                    <a:p>
+                      <a:endParaRPr lang="en-GB" dirty="0"/>
+                    </a:p>
+                  </a:txBody>
+                  <a:tcPr/>
+                </a:tc>
+                <a:extLst>
+                  <a:ext uri="{0D108BD9-81ED-4DB2-BD59-A6C34878D82A}">
+                    <a16:rowId xmlns:a16="http://schemas.microsoft.com/office/drawing/2014/main" val="1798083611"/>
+                  </a:ext>
+                </a:extLst>
+              </a:tr>
+              <a:tr h="391995">
+                <a:tc>
+                  <a:txBody>
+                    <a:bodyPr/>
+                    <a:lstStyle/>
+                    <a:p>
+                      <a:pPr lvl="0"/>
+                      <a:endParaRPr lang="en-GB" dirty="0"/>
+                    </a:p>
+                  </a:txBody>
+                  <a:tcPr/>
+                </a:tc>
+                <a:tc>
+                  <a:txBody>
+                    <a:bodyPr/>
+                    <a:lstStyle/>
+                    <a:p>
+                      <a:endParaRPr lang="en-GB" dirty="0"/>
+                    </a:p>
+                  </a:txBody>
+                  <a:tcPr/>
+                </a:tc>
+                <a:tc>
+                  <a:txBody>
+                    <a:bodyPr/>
+                    <a:lstStyle/>
+                    <a:p>
+                      <a:endParaRPr lang="en-GB" dirty="0"/>
+                    </a:p>
+                  </a:txBody>
+                  <a:tcPr/>
+                </a:tc>
+                <a:tc>
+                  <a:txBody>
+                    <a:bodyPr/>
+                    <a:lstStyle/>
+                    <a:p>
+                      <a:endParaRPr lang="en-GB"/>
+                    </a:p>
+                  </a:txBody>
+                  <a:tcPr/>
+                </a:tc>
+                <a:tc>
+                  <a:txBody>
+                    <a:bodyPr/>
+                    <a:lstStyle/>
+                    <a:p>
+                      <a:endParaRPr lang="en-GB" dirty="0"/>
+                    </a:p>
+                  </a:txBody>
+                  <a:tcPr/>
+                </a:tc>
+                <a:extLst>
+                  <a:ext uri="{0D108BD9-81ED-4DB2-BD59-A6C34878D82A}">
+                    <a16:rowId xmlns:a16="http://schemas.microsoft.com/office/drawing/2014/main" val="1132813486"/>
+                  </a:ext>
+                </a:extLst>
+              </a:tr>
+              <a:tr h="391995">
+                <a:tc>
+                  <a:txBody>
+                    <a:bodyPr/>
+                    <a:lstStyle/>
+                    <a:p>
+                      <a:pPr lvl="0"/>
+                      <a:endParaRPr lang="en-GB" dirty="0"/>
+                    </a:p>
+                  </a:txBody>
+                  <a:tcPr/>
+                </a:tc>
+                <a:tc>
+                  <a:txBody>
+                    <a:bodyPr/>
+                    <a:lstStyle/>
+                    <a:p>
+                      <a:endParaRPr lang="en-GB" dirty="0"/>
+                    </a:p>
+                  </a:txBody>
+                  <a:tcPr/>
+                </a:tc>
+                <a:tc>
+                  <a:txBody>
+                    <a:bodyPr/>
+                    <a:lstStyle/>
+                    <a:p>
+                      <a:endParaRPr lang="en-GB" dirty="0"/>
+                    </a:p>
+                  </a:txBody>
+                  <a:tcPr/>
+                </a:tc>
+                <a:tc>
+                  <a:txBody>
+                    <a:bodyPr/>
+                    <a:lstStyle/>
+                    <a:p>
+                      <a:endParaRPr lang="en-GB"/>
+                    </a:p>
+                  </a:txBody>
+                  <a:tcPr/>
+                </a:tc>
+                <a:tc>
+                  <a:txBody>
+                    <a:bodyPr/>
+                    <a:lstStyle/>
+                    <a:p>
+                      <a:endParaRPr lang="en-GB"/>
+                    </a:p>
+                  </a:txBody>
+                  <a:tcPr/>
+                </a:tc>
+                <a:extLst>
+                  <a:ext uri="{0D108BD9-81ED-4DB2-BD59-A6C34878D82A}">
+                    <a16:rowId xmlns:a16="http://schemas.microsoft.com/office/drawing/2014/main" val="2578076100"/>
+                  </a:ext>
+                </a:extLst>
+              </a:tr>
+              <a:tr h="391995">
+                <a:tc>
+                  <a:txBody>
+                    <a:bodyPr/>
+                    <a:lstStyle/>
+                    <a:p>
+                      <a:pPr lvl="0"/>
+                      <a:endParaRPr lang="en-GB" dirty="0"/>
+                    </a:p>
+                  </a:txBody>
+                  <a:tcPr/>
+                </a:tc>
+                <a:tc>
+                  <a:txBody>
+                    <a:bodyPr/>
+                    <a:lstStyle/>
+                    <a:p>
+                      <a:endParaRPr lang="en-GB" dirty="0"/>
+                    </a:p>
+                  </a:txBody>
+                  <a:tcPr/>
+                </a:tc>
+                <a:tc>
+                  <a:txBody>
+                    <a:bodyPr/>
+                    <a:lstStyle/>
+                    <a:p>
+                      <a:endParaRPr lang="en-GB" dirty="0"/>
+                    </a:p>
+                  </a:txBody>
+                  <a:tcPr/>
+                </a:tc>
+                <a:tc>
+                  <a:txBody>
+                    <a:bodyPr/>
+                    <a:lstStyle/>
+                    <a:p>
+                      <a:endParaRPr lang="en-GB" dirty="0"/>
+                    </a:p>
+                  </a:txBody>
+                  <a:tcPr/>
+                </a:tc>
+                <a:tc>
+                  <a:txBody>
+                    <a:bodyPr/>
+                    <a:lstStyle/>
+                    <a:p>
+                      <a:endParaRPr lang="en-GB" dirty="0"/>
+                    </a:p>
+                  </a:txBody>
+                  <a:tcPr/>
+                </a:tc>
+                <a:extLst>
+                  <a:ext uri="{0D108BD9-81ED-4DB2-BD59-A6C34878D82A}">
+                    <a16:rowId xmlns:a16="http://schemas.microsoft.com/office/drawing/2014/main" val="3287798356"/>
+                  </a:ext>
+                </a:extLst>
+              </a:tr>
+              <a:tr h="391995">
+                <a:tc>
+                  <a:txBody>
+                    <a:bodyPr/>
+                    <a:lstStyle/>
+                    <a:p>
+                      <a:pPr lvl="0"/>
+                      <a:endParaRPr lang="en-GB" dirty="0"/>
+                    </a:p>
+                  </a:txBody>
+                  <a:tcPr/>
+                </a:tc>
+                <a:tc>
+                  <a:txBody>
+                    <a:bodyPr/>
+                    <a:lstStyle/>
+                    <a:p>
+                      <a:endParaRPr lang="en-GB" dirty="0"/>
+                    </a:p>
+                  </a:txBody>
+                  <a:tcPr/>
+                </a:tc>
+                <a:tc>
+                  <a:txBody>
+                    <a:bodyPr/>
+                    <a:lstStyle/>
+                    <a:p>
+                      <a:pPr marL="0" marR="0" lvl="0" indent="0" algn="l" defTabSz="914400" rtl="0" eaLnBrk="1" fontAlgn="auto" latinLnBrk="0" hangingPunct="1">
+                        <a:lnSpc>
+                          <a:spcPct val="100000"/>
+                        </a:lnSpc>
+                        <a:spcBef>
+                          <a:spcPts val="0"/>
+                        </a:spcBef>
+                        <a:spcAft>
+                          <a:spcPts val="0"/>
+                        </a:spcAft>
+                        <a:buClrTx/>
+                        <a:buSzTx/>
+                        <a:buFontTx/>
+                        <a:buNone/>
+                        <a:tabLst/>
+                        <a:defRPr/>
+                      </a:pPr>
+                      <a:endParaRPr lang="en-GB" dirty="0" smtClean="0"/>
+                    </a:p>
+                  </a:txBody>
+                  <a:tcPr/>
+                </a:tc>
+                <a:tc>
+                  <a:txBody>
+                    <a:bodyPr/>
+                    <a:lstStyle/>
+                    <a:p>
+                      <a:endParaRPr lang="en-GB" dirty="0"/>
+                    </a:p>
+                  </a:txBody>
+                  <a:tcPr/>
+                </a:tc>
+                <a:tc>
+                  <a:txBody>
+                    <a:bodyPr/>
+                    <a:lstStyle/>
+                    <a:p>
+                      <a:endParaRPr lang="en-GB" dirty="0"/>
+                    </a:p>
+                  </a:txBody>
+                  <a:tcPr/>
+                </a:tc>
+                <a:extLst>
+                  <a:ext uri="{0D108BD9-81ED-4DB2-BD59-A6C34878D82A}">
+                    <a16:rowId xmlns:a16="http://schemas.microsoft.com/office/drawing/2014/main" val="2620026092"/>
+                  </a:ext>
+                </a:extLst>
+              </a:tr>
+              <a:tr h="391995">
+                <a:tc>
+                  <a:txBody>
+                    <a:bodyPr/>
+                    <a:lstStyle/>
+                    <a:p>
+                      <a:pPr lvl="0"/>
+                      <a:endParaRPr lang="en-GB" dirty="0"/>
+                    </a:p>
+                  </a:txBody>
+                  <a:tcPr/>
+                </a:tc>
+                <a:tc>
+                  <a:txBody>
+                    <a:bodyPr/>
+                    <a:lstStyle/>
+                    <a:p>
+                      <a:endParaRPr lang="en-GB" dirty="0"/>
+                    </a:p>
+                  </a:txBody>
+                  <a:tcPr/>
+                </a:tc>
+                <a:tc>
+                  <a:txBody>
+                    <a:bodyPr/>
+                    <a:lstStyle/>
+                    <a:p>
+                      <a:endParaRPr lang="en-GB" dirty="0"/>
+                    </a:p>
+                  </a:txBody>
+                  <a:tcPr/>
+                </a:tc>
+                <a:tc>
+                  <a:txBody>
+                    <a:bodyPr/>
+                    <a:lstStyle/>
+                    <a:p>
+                      <a:endParaRPr lang="en-GB" dirty="0"/>
+                    </a:p>
+                  </a:txBody>
+                  <a:tcPr/>
+                </a:tc>
+                <a:tc>
+                  <a:txBody>
+                    <a:bodyPr/>
+                    <a:lstStyle/>
+                    <a:p>
+                      <a:endParaRPr lang="en-GB" dirty="0"/>
+                    </a:p>
+                  </a:txBody>
+                  <a:tcPr/>
+                </a:tc>
+                <a:extLst>
+                  <a:ext uri="{0D108BD9-81ED-4DB2-BD59-A6C34878D82A}">
+                    <a16:rowId xmlns:a16="http://schemas.microsoft.com/office/drawing/2014/main" val="2099877376"/>
+                  </a:ext>
+                </a:extLst>
+              </a:tr>
+            </a:tbl>
+          </a:graphicData>
+        </a:graphic>
+      </p:graphicFrame>
+    </p:spTree>
+    <p:extLst>
+      <p:ext uri="{BB962C8B-B14F-4D97-AF65-F5344CB8AC3E}">
+        <p14:creationId xmlns:p14="http://schemas.microsoft.com/office/powerpoint/2010/main" val="3133031644"/>
+      </p:ext>
+    </p:extLst>
+  </p:cSld>
+  <p:clrMapOvr>
+    <a:masterClrMapping/>
+  </p:clrMapOvr>
+</p:sld>
+</file>
+
+<file path=ppt/slides/slide4.xml><?xml version="1.0" encoding="utf-8"?>
+<p:sld xmlns:a="http://schemas.openxmlformats.org/drawingml/2006/main" xmlns:r="http://schemas.openxmlformats.org/officeDocument/2006/relationships" xmlns:p="http://schemas.openxmlformats.org/presentationml/2006/main">
+  <p:cSld>
+    <p:spTree>
+      <p:nvGrpSpPr>
+        <p:cNvPr id="1" name=""/>
+        <p:cNvGrpSpPr/>
+        <p:nvPr/>
+      </p:nvGrpSpPr>
+      <p:grpSpPr>
+        <a:xfrm>
+          <a:off x="0" y="0"/>
+          <a:ext cx="0" cy="0"/>
+          <a:chOff x="0" y="0"/>
+          <a:chExt cx="0" cy="0"/>
+        </a:xfrm>
+      </p:grpSpPr>
+      <p:sp>
+        <p:nvSpPr>
+          <p:cNvPr id="2" name="Title 1">
+            <a:extLst>
+              <a:ext uri="{FF2B5EF4-FFF2-40B4-BE49-F238E27FC236}">
+                <a16:creationId xmlns:a16="http://schemas.microsoft.com/office/drawing/2014/main" id="{95BB0B67-25B5-4B39-A2AB-FA21A36D41BC}"/>
+              </a:ext>
+            </a:extLst>
+          </p:cNvPr>
+          <p:cNvSpPr>
+            <a:spLocks noGrp="1"/>
+          </p:cNvSpPr>
+          <p:nvPr>
+            <p:ph type="title"/>
+          </p:nvPr>
+        </p:nvSpPr>
+        <p:spPr/>
+        <p:txBody>
+          <a:bodyPr/>
+          <a:lstStyle/>
+          <a:p>
+            <a:r>
+              <a:rPr lang="en-GB" dirty="0" smtClean="0"/>
+              <a:t>Flags for outcomes and characteristics</a:t>
+            </a:r>
+            <a:endParaRPr lang="en-GB" dirty="0"/>
+          </a:p>
+        </p:txBody>
+      </p:sp>
+      <p:graphicFrame>
+        <p:nvGraphicFramePr>
+          <p:cNvPr id="4" name="Table 4">
+            <a:extLst>
+              <a:ext uri="{FF2B5EF4-FFF2-40B4-BE49-F238E27FC236}">
+                <a16:creationId xmlns:a16="http://schemas.microsoft.com/office/drawing/2014/main" id="{34971EFB-FC2C-42EC-8355-05657D57EE51}"/>
+              </a:ext>
+            </a:extLst>
+          </p:cNvPr>
+          <p:cNvGraphicFramePr>
+            <a:graphicFrameLocks noGrp="1"/>
+          </p:cNvGraphicFramePr>
+          <p:nvPr>
+            <p:extLst>
+              <p:ext uri="{D42A27DB-BD31-4B8C-83A1-F6EECF244321}">
+                <p14:modId xmlns:p14="http://schemas.microsoft.com/office/powerpoint/2010/main" val="1665710684"/>
+              </p:ext>
+            </p:extLst>
+          </p:nvPr>
+        </p:nvGraphicFramePr>
+        <p:xfrm>
+          <a:off x="538921" y="1510747"/>
+          <a:ext cx="11114157" cy="5984100"/>
         </p:xfrm>
         <a:graphic>
           <a:graphicData uri="http://schemas.openxmlformats.org/drawingml/2006/table">
@@ -7420,9 +9164,10 @@
                     <a:lstStyle/>
                     <a:p>
                       <a:r>
-                        <a:rPr lang="en-GB" dirty="0"/>
-                        <a:t>Variables</a:t>
+                        <a:rPr lang="en-GB" dirty="0" smtClean="0"/>
+                        <a:t>Outcomes</a:t>
                       </a:r>
+                      <a:endParaRPr lang="en-GB" dirty="0"/>
                     </a:p>
                   </a:txBody>
                   <a:tcPr/>
@@ -7458,10 +9203,7 @@
                     <a:bodyPr/>
                     <a:lstStyle/>
                     <a:p>
-                      <a:r>
-                        <a:rPr lang="en-GB" dirty="0"/>
-                        <a:t>Weights</a:t>
-                      </a:r>
+                      <a:endParaRPr lang="en-GB" dirty="0"/>
                     </a:p>
                   </a:txBody>
                   <a:tcPr/>
@@ -7484,10 +9226,7 @@
                     <a:bodyPr/>
                     <a:lstStyle/>
                     <a:p>
-                      <a:r>
-                        <a:rPr lang="en-GB" dirty="0"/>
-                        <a:t>Datasets</a:t>
-                      </a:r>
+                      <a:endParaRPr lang="en-GB" dirty="0"/>
                     </a:p>
                   </a:txBody>
                   <a:tcPr/>
@@ -7550,10 +9289,6 @@
                     <a:bodyPr/>
                     <a:lstStyle/>
                     <a:p>
-                      <a:r>
-                        <a:rPr lang="en-GB" dirty="0" err="1"/>
-                        <a:t>Gs_newpp</a:t>
-                      </a:r>
                       <a:endParaRPr lang="en-GB" dirty="0"/>
                     </a:p>
                   </a:txBody>
@@ -7577,10 +9312,7 @@
                     <a:bodyPr/>
                     <a:lstStyle/>
                     <a:p>
-                      <a:r>
-                        <a:rPr lang="en-GB" dirty="0"/>
-                        <a:t>Poverty</a:t>
-                      </a:r>
+                      <a:endParaRPr lang="en-GB" dirty="0"/>
                     </a:p>
                   </a:txBody>
                   <a:tcPr/>
@@ -7637,10 +9369,6 @@
                     <a:bodyPr/>
                     <a:lstStyle/>
                     <a:p>
-                      <a:r>
-                        <a:rPr lang="en-GB" dirty="0" err="1"/>
-                        <a:t>Gs_newch</a:t>
-                      </a:r>
                       <a:endParaRPr lang="en-GB" dirty="0"/>
                     </a:p>
                   </a:txBody>
@@ -7664,10 +9392,7 @@
                     <a:bodyPr/>
                     <a:lstStyle/>
                     <a:p>
-                      <a:r>
-                        <a:rPr lang="en-GB" dirty="0"/>
-                        <a:t>Child poverty</a:t>
-                      </a:r>
+                      <a:endParaRPr lang="en-GB" dirty="0"/>
                     </a:p>
                   </a:txBody>
                   <a:tcPr/>
@@ -7746,34 +9471,27 @@
                     <a:bodyPr/>
                     <a:lstStyle/>
                     <a:p>
-                      <a:r>
-                        <a:rPr lang="en-GB" dirty="0" err="1"/>
-                        <a:t>Gs_newwa</a:t>
-                      </a:r>
-                      <a:endParaRPr lang="en-GB" dirty="0"/>
-                    </a:p>
-                  </a:txBody>
-                  <a:tcPr/>
-                </a:tc>
-                <a:tc>
-                  <a:txBody>
-                    <a:bodyPr/>
-                    <a:lstStyle/>
-                    <a:p>
-                      <a:endParaRPr lang="en-GB" dirty="0"/>
-                    </a:p>
-                  </a:txBody>
-                  <a:tcPr/>
-                </a:tc>
-                <a:tc>
-                  <a:txBody>
-                    <a:bodyPr/>
-                    <a:lstStyle/>
-                    <a:p>
-                      <a:r>
-                        <a:rPr lang="en-GB" dirty="0"/>
-                        <a:t>Income</a:t>
-                      </a:r>
+                      <a:endParaRPr lang="en-GB" dirty="0"/>
+                    </a:p>
+                  </a:txBody>
+                  <a:tcPr/>
+                </a:tc>
+                <a:tc>
+                  <a:txBody>
+                    <a:bodyPr/>
+                    <a:lstStyle/>
+                    <a:p>
+                      <a:endParaRPr lang="en-GB" dirty="0"/>
+                    </a:p>
+                  </a:txBody>
+                  <a:tcPr/>
+                </a:tc>
+                <a:tc>
+                  <a:txBody>
+                    <a:bodyPr/>
+                    <a:lstStyle/>
+                    <a:p>
+                      <a:endParaRPr lang="en-GB" dirty="0"/>
                     </a:p>
                   </a:txBody>
                   <a:tcPr/>
@@ -7843,34 +9561,27 @@
                     <a:bodyPr/>
                     <a:lstStyle/>
                     <a:p>
-                      <a:r>
-                        <a:rPr lang="en-GB" dirty="0" err="1"/>
-                        <a:t>Gs_newpn</a:t>
-                      </a:r>
-                      <a:endParaRPr lang="en-GB" dirty="0"/>
-                    </a:p>
-                  </a:txBody>
-                  <a:tcPr/>
-                </a:tc>
-                <a:tc>
-                  <a:txBody>
-                    <a:bodyPr/>
-                    <a:lstStyle/>
-                    <a:p>
-                      <a:endParaRPr lang="en-GB" dirty="0"/>
-                    </a:p>
-                  </a:txBody>
-                  <a:tcPr/>
-                </a:tc>
-                <a:tc>
-                  <a:txBody>
-                    <a:bodyPr/>
-                    <a:lstStyle/>
-                    <a:p>
-                      <a:r>
-                        <a:rPr lang="en-GB" dirty="0"/>
-                        <a:t>Income sources</a:t>
-                      </a:r>
+                      <a:endParaRPr lang="en-GB" dirty="0"/>
+                    </a:p>
+                  </a:txBody>
+                  <a:tcPr/>
+                </a:tc>
+                <a:tc>
+                  <a:txBody>
+                    <a:bodyPr/>
+                    <a:lstStyle/>
+                    <a:p>
+                      <a:endParaRPr lang="en-GB" dirty="0"/>
+                    </a:p>
+                  </a:txBody>
+                  <a:tcPr/>
+                </a:tc>
+                <a:tc>
+                  <a:txBody>
+                    <a:bodyPr/>
+                    <a:lstStyle/>
+                    <a:p>
+                      <a:endParaRPr lang="en-GB" dirty="0"/>
                     </a:p>
                   </a:txBody>
                   <a:tcPr/>
@@ -7930,33 +9641,27 @@
                     <a:bodyPr/>
                     <a:lstStyle/>
                     <a:p>
-                      <a:r>
-                        <a:rPr lang="en-GB" dirty="0"/>
-                        <a:t>Children’s weights by age group</a:t>
-                      </a:r>
-                    </a:p>
-                  </a:txBody>
-                  <a:tcPr/>
-                </a:tc>
-                <a:tc>
-                  <a:txBody>
-                    <a:bodyPr/>
-                    <a:lstStyle/>
-                    <a:p>
-                      <a:endParaRPr lang="en-GB" dirty="0"/>
-                    </a:p>
-                  </a:txBody>
-                  <a:tcPr/>
-                </a:tc>
-                <a:tc>
-                  <a:txBody>
-                    <a:bodyPr/>
-                    <a:lstStyle/>
-                    <a:p>
-                      <a:r>
-                        <a:rPr lang="en-GB" dirty="0"/>
-                        <a:t>Income distribution</a:t>
-                      </a:r>
+                      <a:endParaRPr lang="en-GB" dirty="0"/>
+                    </a:p>
+                  </a:txBody>
+                  <a:tcPr/>
+                </a:tc>
+                <a:tc>
+                  <a:txBody>
+                    <a:bodyPr/>
+                    <a:lstStyle/>
+                    <a:p>
+                      <a:endParaRPr lang="en-GB" dirty="0"/>
+                    </a:p>
+                  </a:txBody>
+                  <a:tcPr/>
+                </a:tc>
+                <a:tc>
+                  <a:txBody>
+                    <a:bodyPr/>
+                    <a:lstStyle/>
+                    <a:p>
+                      <a:endParaRPr lang="en-GB" dirty="0"/>
                     </a:p>
                   </a:txBody>
                   <a:tcPr/>
@@ -8016,10 +9721,6 @@
                     <a:bodyPr/>
                     <a:lstStyle/>
                     <a:p>
-                      <a:r>
-                        <a:rPr lang="en-GB" dirty="0" err="1"/>
-                        <a:t>Sernum</a:t>
-                      </a:r>
                       <a:endParaRPr lang="en-GB" dirty="0"/>
                     </a:p>
                   </a:txBody>
@@ -8059,9 +9760,10 @@
                     <a:p>
                       <a:pPr lvl="0"/>
                       <a:r>
-                        <a:rPr lang="en-GB" dirty="0"/>
-                        <a:t>Low70ahc</a:t>
+                        <a:rPr lang="en-GB" dirty="0" err="1" smtClean="0"/>
+                        <a:t>cmdahc</a:t>
                       </a:r>
+                      <a:endParaRPr lang="en-GB" dirty="0"/>
                     </a:p>
                   </a:txBody>
                   <a:tcPr/>
@@ -8094,10 +9796,6 @@
                     <a:bodyPr/>
                     <a:lstStyle/>
                     <a:p>
-                      <a:r>
-                        <a:rPr lang="en-GB" dirty="0" err="1"/>
-                        <a:t>Benunit</a:t>
-                      </a:r>
                       <a:endParaRPr lang="en-GB" dirty="0"/>
                     </a:p>
                   </a:txBody>
@@ -8137,9 +9835,10 @@
                     <a:p>
                       <a:pPr lvl="0"/>
                       <a:r>
-                        <a:rPr lang="en-GB" dirty="0"/>
-                        <a:t>Low70bhc</a:t>
+                        <a:rPr lang="en-GB" dirty="0" err="1" smtClean="0"/>
+                        <a:t>cmdbhc</a:t>
                       </a:r>
+                      <a:endParaRPr lang="en-GB" dirty="0"/>
                     </a:p>
                   </a:txBody>
                   <a:tcPr/>
@@ -8172,20 +9871,17 @@
                     <a:bodyPr/>
                     <a:lstStyle/>
                     <a:p>
-                      <a:r>
-                        <a:rPr lang="en-GB" dirty="0"/>
-                        <a:t>year</a:t>
-                      </a:r>
-                    </a:p>
-                  </a:txBody>
-                  <a:tcPr/>
-                </a:tc>
-                <a:tc>
-                  <a:txBody>
-                    <a:bodyPr/>
-                    <a:lstStyle/>
-                    <a:p>
-                      <a:endParaRPr lang="en-GB"/>
+                      <a:endParaRPr lang="en-GB" dirty="0"/>
+                    </a:p>
+                  </a:txBody>
+                  <a:tcPr/>
+                </a:tc>
+                <a:tc>
+                  <a:txBody>
+                    <a:bodyPr/>
+                    <a:lstStyle/>
+                    <a:p>
+                      <a:endParaRPr lang="en-GB" dirty="0"/>
                     </a:p>
                   </a:txBody>
                   <a:tcPr/>
@@ -8212,12 +9908,27 @@
                     <a:bodyPr/>
                     <a:lstStyle/>
                     <a:p>
-                      <a:pPr lvl="0"/>
+                      <a:pPr marL="0" marR="0" lvl="0" indent="0" algn="l" defTabSz="914400" rtl="0" eaLnBrk="1" fontAlgn="auto" latinLnBrk="0" hangingPunct="1">
+                        <a:lnSpc>
+                          <a:spcPct val="100000"/>
+                        </a:lnSpc>
+                        <a:spcBef>
+                          <a:spcPts val="0"/>
+                        </a:spcBef>
+                        <a:spcAft>
+                          <a:spcPts val="0"/>
+                        </a:spcAft>
+                        <a:buClrTx/>
+                        <a:buSzTx/>
+                        <a:buFontTx/>
+                        <a:buNone/>
+                        <a:tabLst/>
+                        <a:defRPr/>
+                      </a:pPr>
                       <a:r>
-                        <a:rPr lang="en-GB" dirty="0" err="1"/>
-                        <a:t>Matdep</a:t>
+                        <a:rPr lang="en-GB" dirty="0" smtClean="0"/>
+                        <a:t>Pensioner deprivation</a:t>
                       </a:r>
-                      <a:endParaRPr lang="en-GB" dirty="0"/>
                     </a:p>
                   </a:txBody>
                   <a:tcPr/>
@@ -8250,10 +9961,6 @@
                     <a:bodyPr/>
                     <a:lstStyle/>
                     <a:p>
-                      <a:r>
-                        <a:rPr lang="en-GB" dirty="0" err="1"/>
-                        <a:t>gvtregn</a:t>
-                      </a:r>
                       <a:endParaRPr lang="en-GB" dirty="0"/>
                     </a:p>
                   </a:txBody>
@@ -8292,10 +9999,6 @@
                     <a:lstStyle/>
                     <a:p>
                       <a:pPr lvl="0"/>
-                      <a:r>
-                        <a:rPr lang="en-GB" dirty="0" err="1"/>
-                        <a:t>Matdep_new</a:t>
-                      </a:r>
                       <a:endParaRPr lang="en-GB" dirty="0"/>
                     </a:p>
                   </a:txBody>
@@ -8372,10 +10075,7 @@
                     <a:lstStyle/>
                     <a:p>
                       <a:pPr lvl="0"/>
-                      <a:r>
-                        <a:rPr lang="en-GB" dirty="0"/>
-                        <a:t>Pensioner deprivation</a:t>
-                      </a:r>
+                      <a:endParaRPr lang="en-GB" dirty="0"/>
                     </a:p>
                   </a:txBody>
                   <a:tcPr/>
@@ -8456,7 +10156,11 @@
                     <a:bodyPr/>
                     <a:lstStyle/>
                     <a:p>
-                      <a:endParaRPr lang="en-GB"/>
+                      <a:r>
+                        <a:rPr lang="en-GB" dirty="0" smtClean="0"/>
+                        <a:t>Child age</a:t>
+                      </a:r>
+                      <a:endParaRPr lang="en-GB" dirty="0"/>
                     </a:p>
                   </a:txBody>
                   <a:tcPr/>
@@ -8524,7 +10228,11 @@
                     <a:bodyPr/>
                     <a:lstStyle/>
                     <a:p>
-                      <a:endParaRPr lang="en-GB"/>
+                      <a:r>
+                        <a:rPr lang="en-GB" dirty="0" smtClean="0"/>
+                        <a:t>nations</a:t>
+                      </a:r>
+                      <a:endParaRPr lang="en-GB" dirty="0"/>
                     </a:p>
                   </a:txBody>
                   <a:tcPr/>
@@ -8582,7 +10290,7 @@
     </p:spTree>
     <p:extLst>
       <p:ext uri="{BB962C8B-B14F-4D97-AF65-F5344CB8AC3E}">
-        <p14:creationId xmlns:p14="http://schemas.microsoft.com/office/powerpoint/2010/main" val="1002408379"/>
+        <p14:creationId xmlns:p14="http://schemas.microsoft.com/office/powerpoint/2010/main" val="213847666"/>
       </p:ext>
     </p:extLst>
   </p:cSld>
